--- a/JSP PPT/第07章 Servlet编程.pptx
+++ b/JSP PPT/第07章 Servlet编程.pptx
@@ -16,12 +16,9 @@
     <p:sldId id="268" r:id="rId10"/>
     <p:sldId id="269" r:id="rId11"/>
     <p:sldId id="300" r:id="rId12"/>
-    <p:sldId id="301" r:id="rId13"/>
-    <p:sldId id="302" r:id="rId14"/>
-    <p:sldId id="303" r:id="rId15"/>
-    <p:sldId id="304" r:id="rId16"/>
-    <p:sldId id="272" r:id="rId17"/>
-    <p:sldId id="288" r:id="rId18"/>
+    <p:sldId id="336" r:id="rId13"/>
+    <p:sldId id="272" r:id="rId14"/>
+    <p:sldId id="288" r:id="rId15"/>
   </p:sldIdLst>
   <p:sldSz cx="9144000" cy="5143500" type="screen16x9"/>
   <p:notesSz cx="6858000" cy="9144000"/>
@@ -1669,6 +1666,753 @@
 </file>
 
 <file path=ppt/diagrams/colors3.xml><?xml version="1.0" encoding="utf-8"?>
+<dgm:colorsDef xmlns:dgm="http://schemas.openxmlformats.org/drawingml/2006/diagram" xmlns:a="http://schemas.openxmlformats.org/drawingml/2006/main" uniqueId="urn:microsoft.com/office/officeart/2005/8/colors/accent1_2">
+  <dgm:title val=""/>
+  <dgm:desc val=""/>
+  <dgm:catLst>
+    <dgm:cat type="accent1" pri="11200"/>
+  </dgm:catLst>
+  <dgm:styleLbl name="node0">
+    <dgm:fillClrLst meth="repeat">
+      <a:schemeClr val="accent1"/>
+    </dgm:fillClrLst>
+    <dgm:linClrLst meth="repeat">
+      <a:schemeClr val="lt1"/>
+    </dgm:linClrLst>
+    <dgm:effectClrLst/>
+    <dgm:txLinClrLst/>
+    <dgm:txFillClrLst/>
+    <dgm:txEffectClrLst/>
+  </dgm:styleLbl>
+  <dgm:styleLbl name="alignNode1">
+    <dgm:fillClrLst meth="repeat">
+      <a:schemeClr val="accent1"/>
+    </dgm:fillClrLst>
+    <dgm:linClrLst meth="repeat">
+      <a:schemeClr val="accent1"/>
+    </dgm:linClrLst>
+    <dgm:effectClrLst/>
+    <dgm:txLinClrLst/>
+    <dgm:txFillClrLst/>
+    <dgm:txEffectClrLst/>
+  </dgm:styleLbl>
+  <dgm:styleLbl name="node1">
+    <dgm:fillClrLst meth="repeat">
+      <a:schemeClr val="accent1"/>
+    </dgm:fillClrLst>
+    <dgm:linClrLst meth="repeat">
+      <a:schemeClr val="lt1"/>
+    </dgm:linClrLst>
+    <dgm:effectClrLst/>
+    <dgm:txLinClrLst/>
+    <dgm:txFillClrLst/>
+    <dgm:txEffectClrLst/>
+  </dgm:styleLbl>
+  <dgm:styleLbl name="lnNode1">
+    <dgm:fillClrLst meth="repeat">
+      <a:schemeClr val="accent1"/>
+    </dgm:fillClrLst>
+    <dgm:linClrLst meth="repeat">
+      <a:schemeClr val="lt1"/>
+    </dgm:linClrLst>
+    <dgm:effectClrLst/>
+    <dgm:txLinClrLst/>
+    <dgm:txFillClrLst/>
+    <dgm:txEffectClrLst/>
+  </dgm:styleLbl>
+  <dgm:styleLbl name="vennNode1">
+    <dgm:fillClrLst meth="repeat">
+      <a:schemeClr val="accent1">
+        <a:alpha val="50000"/>
+      </a:schemeClr>
+    </dgm:fillClrLst>
+    <dgm:linClrLst meth="repeat">
+      <a:schemeClr val="lt1"/>
+    </dgm:linClrLst>
+    <dgm:effectClrLst/>
+    <dgm:txLinClrLst/>
+    <dgm:txFillClrLst/>
+    <dgm:txEffectClrLst/>
+  </dgm:styleLbl>
+  <dgm:styleLbl name="node2">
+    <dgm:fillClrLst meth="repeat">
+      <a:schemeClr val="accent1"/>
+    </dgm:fillClrLst>
+    <dgm:linClrLst meth="repeat">
+      <a:schemeClr val="lt1"/>
+    </dgm:linClrLst>
+    <dgm:effectClrLst/>
+    <dgm:txLinClrLst/>
+    <dgm:txFillClrLst/>
+    <dgm:txEffectClrLst/>
+  </dgm:styleLbl>
+  <dgm:styleLbl name="node3">
+    <dgm:fillClrLst meth="repeat">
+      <a:schemeClr val="accent1"/>
+    </dgm:fillClrLst>
+    <dgm:linClrLst meth="repeat">
+      <a:schemeClr val="lt1"/>
+    </dgm:linClrLst>
+    <dgm:effectClrLst/>
+    <dgm:txLinClrLst/>
+    <dgm:txFillClrLst/>
+    <dgm:txEffectClrLst/>
+  </dgm:styleLbl>
+  <dgm:styleLbl name="node4">
+    <dgm:fillClrLst meth="repeat">
+      <a:schemeClr val="accent1"/>
+    </dgm:fillClrLst>
+    <dgm:linClrLst meth="repeat">
+      <a:schemeClr val="lt1"/>
+    </dgm:linClrLst>
+    <dgm:effectClrLst/>
+    <dgm:txLinClrLst/>
+    <dgm:txFillClrLst/>
+    <dgm:txEffectClrLst/>
+  </dgm:styleLbl>
+  <dgm:styleLbl name="fgImgPlace1">
+    <dgm:fillClrLst meth="repeat">
+      <a:schemeClr val="accent1">
+        <a:tint val="50000"/>
+      </a:schemeClr>
+    </dgm:fillClrLst>
+    <dgm:linClrLst meth="repeat">
+      <a:schemeClr val="lt1"/>
+    </dgm:linClrLst>
+    <dgm:effectClrLst/>
+    <dgm:txLinClrLst/>
+    <dgm:txFillClrLst meth="repeat">
+      <a:schemeClr val="lt1"/>
+    </dgm:txFillClrLst>
+    <dgm:txEffectClrLst/>
+  </dgm:styleLbl>
+  <dgm:styleLbl name="alignImgPlace1">
+    <dgm:fillClrLst meth="repeat">
+      <a:schemeClr val="accent1">
+        <a:tint val="50000"/>
+      </a:schemeClr>
+    </dgm:fillClrLst>
+    <dgm:linClrLst meth="repeat">
+      <a:schemeClr val="lt1"/>
+    </dgm:linClrLst>
+    <dgm:effectClrLst/>
+    <dgm:txLinClrLst/>
+    <dgm:txFillClrLst meth="repeat">
+      <a:schemeClr val="lt1"/>
+    </dgm:txFillClrLst>
+    <dgm:txEffectClrLst/>
+  </dgm:styleLbl>
+  <dgm:styleLbl name="bgImgPlace1">
+    <dgm:fillClrLst meth="repeat">
+      <a:schemeClr val="accent1">
+        <a:tint val="50000"/>
+      </a:schemeClr>
+    </dgm:fillClrLst>
+    <dgm:linClrLst meth="repeat">
+      <a:schemeClr val="lt1"/>
+    </dgm:linClrLst>
+    <dgm:effectClrLst/>
+    <dgm:txLinClrLst/>
+    <dgm:txFillClrLst meth="repeat">
+      <a:schemeClr val="lt1"/>
+    </dgm:txFillClrLst>
+    <dgm:txEffectClrLst/>
+  </dgm:styleLbl>
+  <dgm:styleLbl name="sibTrans2D1">
+    <dgm:fillClrLst meth="repeat">
+      <a:schemeClr val="accent1">
+        <a:tint val="60000"/>
+      </a:schemeClr>
+    </dgm:fillClrLst>
+    <dgm:linClrLst meth="repeat">
+      <a:schemeClr val="accent1">
+        <a:tint val="60000"/>
+      </a:schemeClr>
+    </dgm:linClrLst>
+    <dgm:effectClrLst/>
+    <dgm:txLinClrLst/>
+    <dgm:txFillClrLst/>
+    <dgm:txEffectClrLst/>
+  </dgm:styleLbl>
+  <dgm:styleLbl name="fgSibTrans2D1">
+    <dgm:fillClrLst meth="repeat">
+      <a:schemeClr val="accent1">
+        <a:tint val="60000"/>
+      </a:schemeClr>
+    </dgm:fillClrLst>
+    <dgm:linClrLst meth="repeat">
+      <a:schemeClr val="accent1">
+        <a:tint val="60000"/>
+      </a:schemeClr>
+    </dgm:linClrLst>
+    <dgm:effectClrLst/>
+    <dgm:txLinClrLst/>
+    <dgm:txFillClrLst/>
+    <dgm:txEffectClrLst/>
+  </dgm:styleLbl>
+  <dgm:styleLbl name="bgSibTrans2D1">
+    <dgm:fillClrLst meth="repeat">
+      <a:schemeClr val="accent1">
+        <a:tint val="60000"/>
+      </a:schemeClr>
+    </dgm:fillClrLst>
+    <dgm:linClrLst meth="repeat">
+      <a:schemeClr val="accent1">
+        <a:tint val="60000"/>
+      </a:schemeClr>
+    </dgm:linClrLst>
+    <dgm:effectClrLst/>
+    <dgm:txLinClrLst/>
+    <dgm:txFillClrLst/>
+    <dgm:txEffectClrLst/>
+  </dgm:styleLbl>
+  <dgm:styleLbl name="sibTrans1D1">
+    <dgm:fillClrLst meth="repeat">
+      <a:schemeClr val="accent1"/>
+    </dgm:fillClrLst>
+    <dgm:linClrLst meth="repeat">
+      <a:schemeClr val="accent1"/>
+    </dgm:linClrLst>
+    <dgm:effectClrLst/>
+    <dgm:txLinClrLst/>
+    <dgm:txFillClrLst meth="repeat">
+      <a:schemeClr val="tx1"/>
+    </dgm:txFillClrLst>
+    <dgm:txEffectClrLst/>
+  </dgm:styleLbl>
+  <dgm:styleLbl name="callout">
+    <dgm:fillClrLst meth="repeat">
+      <a:schemeClr val="accent1"/>
+    </dgm:fillClrLst>
+    <dgm:linClrLst meth="repeat">
+      <a:schemeClr val="accent1">
+        <a:tint val="50000"/>
+      </a:schemeClr>
+    </dgm:linClrLst>
+    <dgm:effectClrLst/>
+    <dgm:txLinClrLst/>
+    <dgm:txFillClrLst meth="repeat">
+      <a:schemeClr val="tx1"/>
+    </dgm:txFillClrLst>
+    <dgm:txEffectClrLst/>
+  </dgm:styleLbl>
+  <dgm:styleLbl name="asst0">
+    <dgm:fillClrLst meth="repeat">
+      <a:schemeClr val="accent1"/>
+    </dgm:fillClrLst>
+    <dgm:linClrLst meth="repeat">
+      <a:schemeClr val="lt1"/>
+    </dgm:linClrLst>
+    <dgm:effectClrLst/>
+    <dgm:txLinClrLst/>
+    <dgm:txFillClrLst/>
+    <dgm:txEffectClrLst/>
+  </dgm:styleLbl>
+  <dgm:styleLbl name="asst1">
+    <dgm:fillClrLst meth="repeat">
+      <a:schemeClr val="accent1"/>
+    </dgm:fillClrLst>
+    <dgm:linClrLst meth="repeat">
+      <a:schemeClr val="lt1"/>
+    </dgm:linClrLst>
+    <dgm:effectClrLst/>
+    <dgm:txLinClrLst/>
+    <dgm:txFillClrLst/>
+    <dgm:txEffectClrLst/>
+  </dgm:styleLbl>
+  <dgm:styleLbl name="asst2">
+    <dgm:fillClrLst meth="repeat">
+      <a:schemeClr val="accent1"/>
+    </dgm:fillClrLst>
+    <dgm:linClrLst meth="repeat">
+      <a:schemeClr val="lt1"/>
+    </dgm:linClrLst>
+    <dgm:effectClrLst/>
+    <dgm:txLinClrLst/>
+    <dgm:txFillClrLst/>
+    <dgm:txEffectClrLst/>
+  </dgm:styleLbl>
+  <dgm:styleLbl name="asst3">
+    <dgm:fillClrLst meth="repeat">
+      <a:schemeClr val="accent1"/>
+    </dgm:fillClrLst>
+    <dgm:linClrLst meth="repeat">
+      <a:schemeClr val="lt1"/>
+    </dgm:linClrLst>
+    <dgm:effectClrLst/>
+    <dgm:txLinClrLst/>
+    <dgm:txFillClrLst/>
+    <dgm:txEffectClrLst/>
+  </dgm:styleLbl>
+  <dgm:styleLbl name="asst4">
+    <dgm:fillClrLst meth="repeat">
+      <a:schemeClr val="accent1"/>
+    </dgm:fillClrLst>
+    <dgm:linClrLst meth="repeat">
+      <a:schemeClr val="lt1"/>
+    </dgm:linClrLst>
+    <dgm:effectClrLst/>
+    <dgm:txLinClrLst/>
+    <dgm:txFillClrLst/>
+    <dgm:txEffectClrLst/>
+  </dgm:styleLbl>
+  <dgm:styleLbl name="parChTrans2D1">
+    <dgm:fillClrLst meth="repeat">
+      <a:schemeClr val="accent1">
+        <a:tint val="60000"/>
+      </a:schemeClr>
+    </dgm:fillClrLst>
+    <dgm:linClrLst meth="repeat">
+      <a:schemeClr val="accent1">
+        <a:tint val="60000"/>
+      </a:schemeClr>
+    </dgm:linClrLst>
+    <dgm:effectClrLst/>
+    <dgm:txLinClrLst/>
+    <dgm:txFillClrLst meth="repeat">
+      <a:schemeClr val="lt1"/>
+    </dgm:txFillClrLst>
+    <dgm:txEffectClrLst/>
+  </dgm:styleLbl>
+  <dgm:styleLbl name="parChTrans2D2">
+    <dgm:fillClrLst meth="repeat">
+      <a:schemeClr val="accent1"/>
+    </dgm:fillClrLst>
+    <dgm:linClrLst meth="repeat">
+      <a:schemeClr val="accent1"/>
+    </dgm:linClrLst>
+    <dgm:effectClrLst/>
+    <dgm:txLinClrLst/>
+    <dgm:txFillClrLst meth="repeat">
+      <a:schemeClr val="lt1"/>
+    </dgm:txFillClrLst>
+    <dgm:txEffectClrLst/>
+  </dgm:styleLbl>
+  <dgm:styleLbl name="parChTrans2D3">
+    <dgm:fillClrLst meth="repeat">
+      <a:schemeClr val="accent1"/>
+    </dgm:fillClrLst>
+    <dgm:linClrLst meth="repeat">
+      <a:schemeClr val="accent1"/>
+    </dgm:linClrLst>
+    <dgm:effectClrLst/>
+    <dgm:txLinClrLst/>
+    <dgm:txFillClrLst meth="repeat">
+      <a:schemeClr val="lt1"/>
+    </dgm:txFillClrLst>
+    <dgm:txEffectClrLst/>
+  </dgm:styleLbl>
+  <dgm:styleLbl name="parChTrans2D4">
+    <dgm:fillClrLst meth="repeat">
+      <a:schemeClr val="accent1"/>
+    </dgm:fillClrLst>
+    <dgm:linClrLst meth="repeat">
+      <a:schemeClr val="accent1"/>
+    </dgm:linClrLst>
+    <dgm:effectClrLst/>
+    <dgm:txLinClrLst/>
+    <dgm:txFillClrLst meth="repeat">
+      <a:schemeClr val="lt1"/>
+    </dgm:txFillClrLst>
+    <dgm:txEffectClrLst/>
+  </dgm:styleLbl>
+  <dgm:styleLbl name="parChTrans1D1">
+    <dgm:fillClrLst meth="repeat">
+      <a:schemeClr val="accent1"/>
+    </dgm:fillClrLst>
+    <dgm:linClrLst meth="repeat">
+      <a:schemeClr val="accent1">
+        <a:shade val="60000"/>
+      </a:schemeClr>
+    </dgm:linClrLst>
+    <dgm:effectClrLst/>
+    <dgm:txLinClrLst/>
+    <dgm:txFillClrLst meth="repeat">
+      <a:schemeClr val="tx1"/>
+    </dgm:txFillClrLst>
+    <dgm:txEffectClrLst/>
+  </dgm:styleLbl>
+  <dgm:styleLbl name="parChTrans1D2">
+    <dgm:fillClrLst meth="repeat">
+      <a:schemeClr val="accent1"/>
+    </dgm:fillClrLst>
+    <dgm:linClrLst meth="repeat">
+      <a:schemeClr val="accent1">
+        <a:shade val="60000"/>
+      </a:schemeClr>
+    </dgm:linClrLst>
+    <dgm:effectClrLst/>
+    <dgm:txLinClrLst/>
+    <dgm:txFillClrLst meth="repeat">
+      <a:schemeClr val="tx1"/>
+    </dgm:txFillClrLst>
+    <dgm:txEffectClrLst/>
+  </dgm:styleLbl>
+  <dgm:styleLbl name="parChTrans1D3">
+    <dgm:fillClrLst meth="repeat">
+      <a:schemeClr val="accent1"/>
+    </dgm:fillClrLst>
+    <dgm:linClrLst meth="repeat">
+      <a:schemeClr val="accent1">
+        <a:shade val="80000"/>
+      </a:schemeClr>
+    </dgm:linClrLst>
+    <dgm:effectClrLst/>
+    <dgm:txLinClrLst/>
+    <dgm:txFillClrLst meth="repeat">
+      <a:schemeClr val="tx1"/>
+    </dgm:txFillClrLst>
+    <dgm:txEffectClrLst/>
+  </dgm:styleLbl>
+  <dgm:styleLbl name="parChTrans1D4">
+    <dgm:fillClrLst meth="repeat">
+      <a:schemeClr val="accent1"/>
+    </dgm:fillClrLst>
+    <dgm:linClrLst meth="repeat">
+      <a:schemeClr val="accent1">
+        <a:shade val="80000"/>
+      </a:schemeClr>
+    </dgm:linClrLst>
+    <dgm:effectClrLst/>
+    <dgm:txLinClrLst/>
+    <dgm:txFillClrLst meth="repeat">
+      <a:schemeClr val="tx1"/>
+    </dgm:txFillClrLst>
+    <dgm:txEffectClrLst/>
+  </dgm:styleLbl>
+  <dgm:styleLbl name="fgAcc1">
+    <dgm:fillClrLst meth="repeat">
+      <a:schemeClr val="lt1">
+        <a:alpha val="90000"/>
+      </a:schemeClr>
+    </dgm:fillClrLst>
+    <dgm:linClrLst meth="repeat">
+      <a:schemeClr val="accent1"/>
+    </dgm:linClrLst>
+    <dgm:effectClrLst/>
+    <dgm:txLinClrLst/>
+    <dgm:txFillClrLst meth="repeat">
+      <a:schemeClr val="dk1"/>
+    </dgm:txFillClrLst>
+    <dgm:txEffectClrLst/>
+  </dgm:styleLbl>
+  <dgm:styleLbl name="conFgAcc1">
+    <dgm:fillClrLst meth="repeat">
+      <a:schemeClr val="lt1">
+        <a:alpha val="90000"/>
+      </a:schemeClr>
+    </dgm:fillClrLst>
+    <dgm:linClrLst meth="repeat">
+      <a:schemeClr val="accent1"/>
+    </dgm:linClrLst>
+    <dgm:effectClrLst/>
+    <dgm:txLinClrLst/>
+    <dgm:txFillClrLst meth="repeat">
+      <a:schemeClr val="dk1"/>
+    </dgm:txFillClrLst>
+    <dgm:txEffectClrLst/>
+  </dgm:styleLbl>
+  <dgm:styleLbl name="alignAcc1">
+    <dgm:fillClrLst meth="repeat">
+      <a:schemeClr val="lt1">
+        <a:alpha val="90000"/>
+      </a:schemeClr>
+    </dgm:fillClrLst>
+    <dgm:linClrLst meth="repeat">
+      <a:schemeClr val="accent1"/>
+    </dgm:linClrLst>
+    <dgm:effectClrLst/>
+    <dgm:txLinClrLst/>
+    <dgm:txFillClrLst meth="repeat">
+      <a:schemeClr val="dk1"/>
+    </dgm:txFillClrLst>
+    <dgm:txEffectClrLst/>
+  </dgm:styleLbl>
+  <dgm:styleLbl name="trAlignAcc1">
+    <dgm:fillClrLst meth="repeat">
+      <a:schemeClr val="lt1">
+        <a:alpha val="40000"/>
+      </a:schemeClr>
+    </dgm:fillClrLst>
+    <dgm:linClrLst meth="repeat">
+      <a:schemeClr val="accent1"/>
+    </dgm:linClrLst>
+    <dgm:effectClrLst/>
+    <dgm:txLinClrLst/>
+    <dgm:txFillClrLst meth="repeat">
+      <a:schemeClr val="dk1"/>
+    </dgm:txFillClrLst>
+    <dgm:txEffectClrLst/>
+  </dgm:styleLbl>
+  <dgm:styleLbl name="bgAcc1">
+    <dgm:fillClrLst meth="repeat">
+      <a:schemeClr val="lt1">
+        <a:alpha val="90000"/>
+      </a:schemeClr>
+    </dgm:fillClrLst>
+    <dgm:linClrLst meth="repeat">
+      <a:schemeClr val="accent1"/>
+    </dgm:linClrLst>
+    <dgm:effectClrLst/>
+    <dgm:txLinClrLst/>
+    <dgm:txFillClrLst meth="repeat">
+      <a:schemeClr val="dk1"/>
+    </dgm:txFillClrLst>
+    <dgm:txEffectClrLst/>
+  </dgm:styleLbl>
+  <dgm:styleLbl name="solidFgAcc1">
+    <dgm:fillClrLst meth="repeat">
+      <a:schemeClr val="lt1"/>
+    </dgm:fillClrLst>
+    <dgm:linClrLst meth="repeat">
+      <a:schemeClr val="accent1"/>
+    </dgm:linClrLst>
+    <dgm:effectClrLst/>
+    <dgm:txLinClrLst/>
+    <dgm:txFillClrLst meth="repeat">
+      <a:schemeClr val="dk1"/>
+    </dgm:txFillClrLst>
+    <dgm:txEffectClrLst/>
+  </dgm:styleLbl>
+  <dgm:styleLbl name="solidAlignAcc1">
+    <dgm:fillClrLst meth="repeat">
+      <a:schemeClr val="lt1"/>
+    </dgm:fillClrLst>
+    <dgm:linClrLst meth="repeat">
+      <a:schemeClr val="accent1"/>
+    </dgm:linClrLst>
+    <dgm:effectClrLst/>
+    <dgm:txLinClrLst/>
+    <dgm:txFillClrLst meth="repeat">
+      <a:schemeClr val="dk1"/>
+    </dgm:txFillClrLst>
+    <dgm:txEffectClrLst/>
+  </dgm:styleLbl>
+  <dgm:styleLbl name="solidBgAcc1">
+    <dgm:fillClrLst meth="repeat">
+      <a:schemeClr val="lt1"/>
+    </dgm:fillClrLst>
+    <dgm:linClrLst meth="repeat">
+      <a:schemeClr val="accent1"/>
+    </dgm:linClrLst>
+    <dgm:effectClrLst/>
+    <dgm:txLinClrLst/>
+    <dgm:txFillClrLst meth="repeat">
+      <a:schemeClr val="dk1"/>
+    </dgm:txFillClrLst>
+    <dgm:txEffectClrLst/>
+  </dgm:styleLbl>
+  <dgm:styleLbl name="fgAccFollowNode1">
+    <dgm:fillClrLst meth="repeat">
+      <a:schemeClr val="accent1">
+        <a:alpha val="90000"/>
+        <a:tint val="40000"/>
+      </a:schemeClr>
+    </dgm:fillClrLst>
+    <dgm:linClrLst meth="repeat">
+      <a:schemeClr val="accent1">
+        <a:alpha val="90000"/>
+        <a:tint val="40000"/>
+      </a:schemeClr>
+    </dgm:linClrLst>
+    <dgm:effectClrLst/>
+    <dgm:txLinClrLst/>
+    <dgm:txFillClrLst meth="repeat">
+      <a:schemeClr val="dk1"/>
+    </dgm:txFillClrLst>
+    <dgm:txEffectClrLst/>
+  </dgm:styleLbl>
+  <dgm:styleLbl name="alignAccFollowNode1">
+    <dgm:fillClrLst meth="repeat">
+      <a:schemeClr val="accent1">
+        <a:alpha val="90000"/>
+        <a:tint val="40000"/>
+      </a:schemeClr>
+    </dgm:fillClrLst>
+    <dgm:linClrLst meth="repeat">
+      <a:schemeClr val="accent1">
+        <a:alpha val="90000"/>
+        <a:tint val="40000"/>
+      </a:schemeClr>
+    </dgm:linClrLst>
+    <dgm:effectClrLst/>
+    <dgm:txLinClrLst/>
+    <dgm:txFillClrLst meth="repeat">
+      <a:schemeClr val="dk1"/>
+    </dgm:txFillClrLst>
+    <dgm:txEffectClrLst/>
+  </dgm:styleLbl>
+  <dgm:styleLbl name="bgAccFollowNode1">
+    <dgm:fillClrLst meth="repeat">
+      <a:schemeClr val="accent1">
+        <a:alpha val="90000"/>
+        <a:tint val="40000"/>
+      </a:schemeClr>
+    </dgm:fillClrLst>
+    <dgm:linClrLst meth="repeat">
+      <a:schemeClr val="accent1">
+        <a:alpha val="90000"/>
+        <a:tint val="40000"/>
+      </a:schemeClr>
+    </dgm:linClrLst>
+    <dgm:effectClrLst/>
+    <dgm:txLinClrLst/>
+    <dgm:txFillClrLst meth="repeat">
+      <a:schemeClr val="dk1"/>
+    </dgm:txFillClrLst>
+    <dgm:txEffectClrLst/>
+  </dgm:styleLbl>
+  <dgm:styleLbl name="fgAcc0">
+    <dgm:fillClrLst meth="repeat">
+      <a:schemeClr val="lt1">
+        <a:alpha val="90000"/>
+      </a:schemeClr>
+    </dgm:fillClrLst>
+    <dgm:linClrLst meth="repeat">
+      <a:schemeClr val="accent1"/>
+    </dgm:linClrLst>
+    <dgm:effectClrLst/>
+    <dgm:txLinClrLst/>
+    <dgm:txFillClrLst meth="repeat">
+      <a:schemeClr val="dk1"/>
+    </dgm:txFillClrLst>
+    <dgm:txEffectClrLst/>
+  </dgm:styleLbl>
+  <dgm:styleLbl name="fgAcc2">
+    <dgm:fillClrLst meth="repeat">
+      <a:schemeClr val="lt1">
+        <a:alpha val="90000"/>
+      </a:schemeClr>
+    </dgm:fillClrLst>
+    <dgm:linClrLst meth="repeat">
+      <a:schemeClr val="accent1"/>
+    </dgm:linClrLst>
+    <dgm:effectClrLst/>
+    <dgm:txLinClrLst/>
+    <dgm:txFillClrLst meth="repeat">
+      <a:schemeClr val="dk1"/>
+    </dgm:txFillClrLst>
+    <dgm:txEffectClrLst/>
+  </dgm:styleLbl>
+  <dgm:styleLbl name="fgAcc3">
+    <dgm:fillClrLst meth="repeat">
+      <a:schemeClr val="lt1">
+        <a:alpha val="90000"/>
+      </a:schemeClr>
+    </dgm:fillClrLst>
+    <dgm:linClrLst meth="repeat">
+      <a:schemeClr val="accent1"/>
+    </dgm:linClrLst>
+    <dgm:effectClrLst/>
+    <dgm:txLinClrLst/>
+    <dgm:txFillClrLst meth="repeat">
+      <a:schemeClr val="dk1"/>
+    </dgm:txFillClrLst>
+    <dgm:txEffectClrLst/>
+  </dgm:styleLbl>
+  <dgm:styleLbl name="fgAcc4">
+    <dgm:fillClrLst meth="repeat">
+      <a:schemeClr val="lt1">
+        <a:alpha val="90000"/>
+      </a:schemeClr>
+    </dgm:fillClrLst>
+    <dgm:linClrLst meth="repeat">
+      <a:schemeClr val="accent1"/>
+    </dgm:linClrLst>
+    <dgm:effectClrLst/>
+    <dgm:txLinClrLst/>
+    <dgm:txFillClrLst meth="repeat">
+      <a:schemeClr val="dk1"/>
+    </dgm:txFillClrLst>
+    <dgm:txEffectClrLst/>
+  </dgm:styleLbl>
+  <dgm:styleLbl name="bgShp">
+    <dgm:fillClrLst meth="repeat">
+      <a:schemeClr val="accent1">
+        <a:tint val="40000"/>
+      </a:schemeClr>
+    </dgm:fillClrLst>
+    <dgm:linClrLst meth="repeat">
+      <a:schemeClr val="accent1"/>
+    </dgm:linClrLst>
+    <dgm:effectClrLst/>
+    <dgm:txLinClrLst/>
+    <dgm:txFillClrLst meth="repeat">
+      <a:schemeClr val="dk1"/>
+    </dgm:txFillClrLst>
+    <dgm:txEffectClrLst/>
+  </dgm:styleLbl>
+  <dgm:styleLbl name="dkBgShp">
+    <dgm:fillClrLst meth="repeat">
+      <a:schemeClr val="accent1">
+        <a:shade val="80000"/>
+      </a:schemeClr>
+    </dgm:fillClrLst>
+    <dgm:linClrLst meth="repeat">
+      <a:schemeClr val="accent1"/>
+    </dgm:linClrLst>
+    <dgm:effectClrLst/>
+    <dgm:txLinClrLst/>
+    <dgm:txFillClrLst meth="repeat">
+      <a:schemeClr val="lt1"/>
+    </dgm:txFillClrLst>
+    <dgm:txEffectClrLst/>
+  </dgm:styleLbl>
+  <dgm:styleLbl name="trBgShp">
+    <dgm:fillClrLst meth="repeat">
+      <a:schemeClr val="accent1">
+        <a:tint val="50000"/>
+        <a:alpha val="40000"/>
+      </a:schemeClr>
+    </dgm:fillClrLst>
+    <dgm:linClrLst meth="repeat">
+      <a:schemeClr val="accent1"/>
+    </dgm:linClrLst>
+    <dgm:effectClrLst/>
+    <dgm:txLinClrLst/>
+    <dgm:txFillClrLst meth="repeat">
+      <a:schemeClr val="lt1"/>
+    </dgm:txFillClrLst>
+    <dgm:txEffectClrLst/>
+  </dgm:styleLbl>
+  <dgm:styleLbl name="fgShp">
+    <dgm:fillClrLst meth="repeat">
+      <a:schemeClr val="accent1">
+        <a:tint val="60000"/>
+      </a:schemeClr>
+    </dgm:fillClrLst>
+    <dgm:linClrLst meth="repeat">
+      <a:schemeClr val="lt1"/>
+    </dgm:linClrLst>
+    <dgm:effectClrLst/>
+    <dgm:txLinClrLst/>
+    <dgm:txFillClrLst meth="repeat">
+      <a:schemeClr val="dk1"/>
+    </dgm:txFillClrLst>
+    <dgm:txEffectClrLst/>
+  </dgm:styleLbl>
+  <dgm:styleLbl name="revTx">
+    <dgm:fillClrLst meth="repeat">
+      <a:schemeClr val="lt1">
+        <a:alpha val="0"/>
+      </a:schemeClr>
+    </dgm:fillClrLst>
+    <dgm:linClrLst meth="repeat">
+      <a:schemeClr val="dk1">
+        <a:alpha val="0"/>
+      </a:schemeClr>
+    </dgm:linClrLst>
+    <dgm:effectClrLst/>
+    <dgm:txLinClrLst/>
+    <dgm:txFillClrLst meth="repeat">
+      <a:schemeClr val="tx1"/>
+    </dgm:txFillClrLst>
+    <dgm:txEffectClrLst/>
+  </dgm:styleLbl>
+</dgm:colorsDef>
+</file>
+
+<file path=ppt/diagrams/colors4.xml><?xml version="1.0" encoding="utf-8"?>
 <dgm:colorsDef xmlns:dgm="http://schemas.openxmlformats.org/drawingml/2006/diagram" xmlns:a="http://schemas.openxmlformats.org/drawingml/2006/main" uniqueId="urn:microsoft.com/office/officeart/2005/8/colors/accent1_2">
   <dgm:title val=""/>
   <dgm:desc val=""/>
@@ -3298,6 +4042,91 @@
 </file>
 
 <file path=ppt/diagrams/data3.xml><?xml version="1.0" encoding="utf-8"?>
+<dgm:dataModel xmlns:dgm="http://schemas.openxmlformats.org/drawingml/2006/diagram" xmlns:a="http://schemas.openxmlformats.org/drawingml/2006/main">
+  <dgm:ptLst>
+    <dgm:pt modelId="{68CBA0C9-6872-4B80-AE7E-83556EA19888}" type="doc">
+      <dgm:prSet loTypeId="urn:microsoft.com/office/officeart/2005/8/layout/default" loCatId="list" qsTypeId="urn:microsoft.com/office/officeart/2005/8/quickstyle/simple1" qsCatId="simple" csTypeId="urn:microsoft.com/office/officeart/2005/8/colors/accent1_2" csCatId="accent1" phldr="1"/>
+      <dgm:spPr/>
+      <dgm:t>
+        <a:bodyPr/>
+        <a:lstStyle/>
+        <a:p>
+          <a:endParaRPr lang="zh-CN" altLang="en-US"/>
+        </a:p>
+      </dgm:t>
+    </dgm:pt>
+    <dgm:pt modelId="{CDA42718-D6D5-44FB-8E75-DE7CBA5FCFD2}">
+      <dgm:prSet phldrT="[文本]"/>
+      <dgm:spPr/>
+      <dgm:t>
+        <a:bodyPr/>
+        <a:lstStyle/>
+        <a:p>
+          <a:r>
+            <a:rPr lang="en-US" altLang="en-US" dirty="0"/>
+            <a:t>Servlet</a:t>
+          </a:r>
+          <a:endParaRPr lang="zh-CN" altLang="en-US" dirty="0"/>
+        </a:p>
+      </dgm:t>
+    </dgm:pt>
+    <dgm:pt modelId="{7A47F613-4598-4575-B647-7E280D92B008}" type="parTrans" cxnId="{E3FA74E0-F457-4F2D-A8BA-220DFE193840}">
+      <dgm:prSet/>
+      <dgm:spPr/>
+      <dgm:t>
+        <a:bodyPr/>
+        <a:lstStyle/>
+        <a:p>
+          <a:endParaRPr lang="zh-CN" altLang="en-US"/>
+        </a:p>
+      </dgm:t>
+    </dgm:pt>
+    <dgm:pt modelId="{F53B566D-CE24-40A3-9306-90C1B489D2B6}" type="sibTrans" cxnId="{E3FA74E0-F457-4F2D-A8BA-220DFE193840}">
+      <dgm:prSet/>
+      <dgm:spPr/>
+      <dgm:t>
+        <a:bodyPr/>
+        <a:lstStyle/>
+        <a:p>
+          <a:endParaRPr lang="zh-CN" altLang="en-US"/>
+        </a:p>
+      </dgm:t>
+    </dgm:pt>
+    <dgm:pt modelId="{F2BACA28-1CD3-4CBF-8D6A-C181310B26A3}" type="pres">
+      <dgm:prSet presAssocID="{68CBA0C9-6872-4B80-AE7E-83556EA19888}" presName="diagram" presStyleCnt="0">
+        <dgm:presLayoutVars>
+          <dgm:dir/>
+          <dgm:resizeHandles val="exact"/>
+        </dgm:presLayoutVars>
+      </dgm:prSet>
+      <dgm:spPr/>
+    </dgm:pt>
+    <dgm:pt modelId="{8A53C6B3-F1A0-4192-896F-07D42B4E96F2}" type="pres">
+      <dgm:prSet presAssocID="{CDA42718-D6D5-44FB-8E75-DE7CBA5FCFD2}" presName="node" presStyleLbl="node1" presStyleIdx="0" presStyleCnt="1">
+        <dgm:presLayoutVars>
+          <dgm:bulletEnabled val="1"/>
+        </dgm:presLayoutVars>
+      </dgm:prSet>
+      <dgm:spPr/>
+    </dgm:pt>
+  </dgm:ptLst>
+  <dgm:cxnLst>
+    <dgm:cxn modelId="{2A8F997E-917E-4C29-872C-1707F05BFD90}" type="presOf" srcId="{68CBA0C9-6872-4B80-AE7E-83556EA19888}" destId="{F2BACA28-1CD3-4CBF-8D6A-C181310B26A3}" srcOrd="0" destOrd="0" presId="urn:microsoft.com/office/officeart/2005/8/layout/default"/>
+    <dgm:cxn modelId="{7130848C-87D6-47B7-894E-2EA681A75A72}" type="presOf" srcId="{CDA42718-D6D5-44FB-8E75-DE7CBA5FCFD2}" destId="{8A53C6B3-F1A0-4192-896F-07D42B4E96F2}" srcOrd="0" destOrd="0" presId="urn:microsoft.com/office/officeart/2005/8/layout/default"/>
+    <dgm:cxn modelId="{E3FA74E0-F457-4F2D-A8BA-220DFE193840}" srcId="{68CBA0C9-6872-4B80-AE7E-83556EA19888}" destId="{CDA42718-D6D5-44FB-8E75-DE7CBA5FCFD2}" srcOrd="0" destOrd="0" parTransId="{7A47F613-4598-4575-B647-7E280D92B008}" sibTransId="{F53B566D-CE24-40A3-9306-90C1B489D2B6}"/>
+    <dgm:cxn modelId="{9A0EDB38-1107-4446-A2AB-9B15721511E9}" type="presParOf" srcId="{F2BACA28-1CD3-4CBF-8D6A-C181310B26A3}" destId="{8A53C6B3-F1A0-4192-896F-07D42B4E96F2}" srcOrd="0" destOrd="0" presId="urn:microsoft.com/office/officeart/2005/8/layout/default"/>
+  </dgm:cxnLst>
+  <dgm:bg/>
+  <dgm:whole/>
+  <dgm:extLst>
+    <a:ext uri="http://schemas.microsoft.com/office/drawing/2008/diagram">
+      <dsp:dataModelExt xmlns:dsp="http://schemas.microsoft.com/office/drawing/2008/diagram" relId="rId6" minVer="http://schemas.openxmlformats.org/drawingml/2006/diagram"/>
+    </a:ext>
+  </dgm:extLst>
+</dgm:dataModel>
+</file>
+
+<file path=ppt/diagrams/data4.xml><?xml version="1.0" encoding="utf-8"?>
 <dgm:dataModel xmlns:dgm="http://schemas.openxmlformats.org/drawingml/2006/diagram" xmlns:a="http://schemas.openxmlformats.org/drawingml/2006/main">
   <dgm:ptLst>
     <dgm:pt modelId="{B180879B-94D4-4073-8F12-8D8EAE59EFF8}" type="doc">
@@ -5310,6 +6139,96 @@
       <dsp:cNvGrpSpPr/>
     </dsp:nvGrpSpPr>
     <dsp:grpSpPr/>
+    <dsp:sp modelId="{8A53C6B3-F1A0-4192-896F-07D42B4E96F2}">
+      <dsp:nvSpPr>
+        <dsp:cNvPr id="0" name=""/>
+        <dsp:cNvSpPr/>
+      </dsp:nvSpPr>
+      <dsp:spPr>
+        <a:xfrm>
+          <a:off x="1289893" y="2093"/>
+          <a:ext cx="5649813" cy="3389887"/>
+        </a:xfrm>
+        <a:prstGeom prst="rect">
+          <a:avLst/>
+        </a:prstGeom>
+        <a:solidFill>
+          <a:schemeClr val="accent1">
+            <a:hueOff val="0"/>
+            <a:satOff val="0"/>
+            <a:lumOff val="0"/>
+            <a:alphaOff val="0"/>
+          </a:schemeClr>
+        </a:solidFill>
+        <a:ln w="28575" cap="flat" cmpd="sng" algn="ctr">
+          <a:solidFill>
+            <a:schemeClr val="lt1">
+              <a:hueOff val="0"/>
+              <a:satOff val="0"/>
+              <a:lumOff val="0"/>
+              <a:alphaOff val="0"/>
+            </a:schemeClr>
+          </a:solidFill>
+          <a:prstDash val="solid"/>
+        </a:ln>
+        <a:effectLst/>
+      </dsp:spPr>
+      <dsp:style>
+        <a:lnRef idx="2">
+          <a:scrgbClr r="0" g="0" b="0"/>
+        </a:lnRef>
+        <a:fillRef idx="1">
+          <a:scrgbClr r="0" g="0" b="0"/>
+        </a:fillRef>
+        <a:effectRef idx="0">
+          <a:scrgbClr r="0" g="0" b="0"/>
+        </a:effectRef>
+        <a:fontRef idx="minor">
+          <a:schemeClr val="lt1"/>
+        </a:fontRef>
+      </dsp:style>
+      <dsp:txBody>
+        <a:bodyPr spcFirstLastPara="0" vert="horz" wrap="square" lIns="247650" tIns="247650" rIns="247650" bIns="247650" numCol="1" spcCol="1270" anchor="ctr" anchorCtr="0">
+          <a:noAutofit/>
+        </a:bodyPr>
+        <a:lstStyle/>
+        <a:p>
+          <a:pPr marL="0" lvl="0" indent="0" algn="ctr" defTabSz="2889250">
+            <a:lnSpc>
+              <a:spcPct val="90000"/>
+            </a:lnSpc>
+            <a:spcBef>
+              <a:spcPct val="0"/>
+            </a:spcBef>
+            <a:spcAft>
+              <a:spcPct val="35000"/>
+            </a:spcAft>
+            <a:buNone/>
+          </a:pPr>
+          <a:r>
+            <a:rPr lang="en-US" altLang="en-US" sz="6500" kern="1200" dirty="0"/>
+            <a:t>Servlet</a:t>
+          </a:r>
+          <a:endParaRPr lang="zh-CN" altLang="en-US" sz="6500" kern="1200" dirty="0"/>
+        </a:p>
+      </dsp:txBody>
+      <dsp:txXfrm>
+        <a:off x="1289893" y="2093"/>
+        <a:ext cx="5649813" cy="3389887"/>
+      </dsp:txXfrm>
+    </dsp:sp>
+  </dsp:spTree>
+</dsp:drawing>
+</file>
+
+<file path=ppt/diagrams/drawing4.xml><?xml version="1.0" encoding="utf-8"?>
+<dsp:drawing xmlns:dgm="http://schemas.openxmlformats.org/drawingml/2006/diagram" xmlns:dsp="http://schemas.microsoft.com/office/drawing/2008/diagram" xmlns:a="http://schemas.openxmlformats.org/drawingml/2006/main">
+  <dsp:spTree>
+    <dsp:nvGrpSpPr>
+      <dsp:cNvPr id="0" name=""/>
+      <dsp:cNvGrpSpPr/>
+    </dsp:nvGrpSpPr>
+    <dsp:grpSpPr/>
     <dsp:sp modelId="{C2A54C91-1D53-4AE0-96D7-9EF1EC6127E4}">
       <dsp:nvSpPr>
         <dsp:cNvPr id="0" name=""/>
@@ -6654,6 +7573,153 @@
 </file>
 
 <file path=ppt/diagrams/layout3.xml><?xml version="1.0" encoding="utf-8"?>
+<dgm:layoutDef xmlns:dgm="http://schemas.openxmlformats.org/drawingml/2006/diagram" xmlns:a="http://schemas.openxmlformats.org/drawingml/2006/main" uniqueId="urn:microsoft.com/office/officeart/2005/8/layout/default">
+  <dgm:title val=""/>
+  <dgm:desc val=""/>
+  <dgm:catLst>
+    <dgm:cat type="list" pri="400"/>
+  </dgm:catLst>
+  <dgm:sampData>
+    <dgm:dataModel>
+      <dgm:ptLst>
+        <dgm:pt modelId="0" type="doc"/>
+        <dgm:pt modelId="1">
+          <dgm:prSet phldr="1"/>
+        </dgm:pt>
+        <dgm:pt modelId="2">
+          <dgm:prSet phldr="1"/>
+        </dgm:pt>
+        <dgm:pt modelId="3">
+          <dgm:prSet phldr="1"/>
+        </dgm:pt>
+        <dgm:pt modelId="4">
+          <dgm:prSet phldr="1"/>
+        </dgm:pt>
+        <dgm:pt modelId="5">
+          <dgm:prSet phldr="1"/>
+        </dgm:pt>
+      </dgm:ptLst>
+      <dgm:cxnLst>
+        <dgm:cxn modelId="6" srcId="0" destId="1" srcOrd="0" destOrd="0"/>
+        <dgm:cxn modelId="7" srcId="0" destId="2" srcOrd="1" destOrd="0"/>
+        <dgm:cxn modelId="8" srcId="0" destId="3" srcOrd="2" destOrd="0"/>
+        <dgm:cxn modelId="9" srcId="0" destId="4" srcOrd="3" destOrd="0"/>
+        <dgm:cxn modelId="10" srcId="0" destId="5" srcOrd="4" destOrd="0"/>
+      </dgm:cxnLst>
+      <dgm:bg/>
+      <dgm:whole/>
+    </dgm:dataModel>
+  </dgm:sampData>
+  <dgm:styleData>
+    <dgm:dataModel>
+      <dgm:ptLst>
+        <dgm:pt modelId="0" type="doc"/>
+        <dgm:pt modelId="1"/>
+        <dgm:pt modelId="2"/>
+      </dgm:ptLst>
+      <dgm:cxnLst>
+        <dgm:cxn modelId="3" srcId="0" destId="1" srcOrd="0" destOrd="0"/>
+        <dgm:cxn modelId="4" srcId="0" destId="2" srcOrd="1" destOrd="0"/>
+      </dgm:cxnLst>
+      <dgm:bg/>
+      <dgm:whole/>
+    </dgm:dataModel>
+  </dgm:styleData>
+  <dgm:clrData>
+    <dgm:dataModel>
+      <dgm:ptLst>
+        <dgm:pt modelId="0" type="doc"/>
+        <dgm:pt modelId="1"/>
+        <dgm:pt modelId="2"/>
+        <dgm:pt modelId="3"/>
+        <dgm:pt modelId="4"/>
+        <dgm:pt modelId="5"/>
+        <dgm:pt modelId="6"/>
+      </dgm:ptLst>
+      <dgm:cxnLst>
+        <dgm:cxn modelId="7" srcId="0" destId="1" srcOrd="0" destOrd="0"/>
+        <dgm:cxn modelId="8" srcId="0" destId="2" srcOrd="1" destOrd="0"/>
+        <dgm:cxn modelId="9" srcId="0" destId="3" srcOrd="2" destOrd="0"/>
+        <dgm:cxn modelId="10" srcId="0" destId="4" srcOrd="3" destOrd="0"/>
+        <dgm:cxn modelId="11" srcId="0" destId="5" srcOrd="4" destOrd="0"/>
+        <dgm:cxn modelId="12" srcId="0" destId="6" srcOrd="5" destOrd="0"/>
+      </dgm:cxnLst>
+      <dgm:bg/>
+      <dgm:whole/>
+    </dgm:dataModel>
+  </dgm:clrData>
+  <dgm:layoutNode name="diagram">
+    <dgm:varLst>
+      <dgm:dir/>
+      <dgm:resizeHandles val="exact"/>
+    </dgm:varLst>
+    <dgm:choose name="Name0">
+      <dgm:if name="Name1" func="var" arg="dir" op="equ" val="norm">
+        <dgm:alg type="snake">
+          <dgm:param type="grDir" val="tL"/>
+          <dgm:param type="flowDir" val="row"/>
+          <dgm:param type="contDir" val="sameDir"/>
+          <dgm:param type="off" val="ctr"/>
+        </dgm:alg>
+      </dgm:if>
+      <dgm:else name="Name2">
+        <dgm:alg type="snake">
+          <dgm:param type="grDir" val="tR"/>
+          <dgm:param type="flowDir" val="row"/>
+          <dgm:param type="contDir" val="sameDir"/>
+          <dgm:param type="off" val="ctr"/>
+        </dgm:alg>
+      </dgm:else>
+    </dgm:choose>
+    <dgm:shape xmlns:r="http://schemas.openxmlformats.org/officeDocument/2006/relationships" r:blip="">
+      <dgm:adjLst/>
+    </dgm:shape>
+    <dgm:presOf/>
+    <dgm:constrLst>
+      <dgm:constr type="w" for="ch" forName="node" refType="w"/>
+      <dgm:constr type="h" for="ch" forName="node" refType="w" refFor="ch" refForName="node" fact="0.6"/>
+      <dgm:constr type="w" for="ch" forName="sibTrans" refType="w" refFor="ch" refForName="node" fact="0.1"/>
+      <dgm:constr type="sp" refType="w" refFor="ch" refForName="sibTrans"/>
+      <dgm:constr type="primFontSz" for="ch" forName="node" op="equ" val="65"/>
+    </dgm:constrLst>
+    <dgm:ruleLst/>
+    <dgm:forEach name="Name3" axis="ch" ptType="node">
+      <dgm:layoutNode name="node">
+        <dgm:varLst>
+          <dgm:bulletEnabled val="1"/>
+        </dgm:varLst>
+        <dgm:alg type="tx"/>
+        <dgm:shape xmlns:r="http://schemas.openxmlformats.org/officeDocument/2006/relationships" type="rect" r:blip="">
+          <dgm:adjLst/>
+        </dgm:shape>
+        <dgm:presOf axis="desOrSelf" ptType="node"/>
+        <dgm:constrLst>
+          <dgm:constr type="lMarg" refType="primFontSz" fact="0.3"/>
+          <dgm:constr type="rMarg" refType="primFontSz" fact="0.3"/>
+          <dgm:constr type="tMarg" refType="primFontSz" fact="0.3"/>
+          <dgm:constr type="bMarg" refType="primFontSz" fact="0.3"/>
+        </dgm:constrLst>
+        <dgm:ruleLst>
+          <dgm:rule type="primFontSz" val="5" fact="NaN" max="NaN"/>
+        </dgm:ruleLst>
+      </dgm:layoutNode>
+      <dgm:forEach name="Name4" axis="followSib" ptType="sibTrans" cnt="1">
+        <dgm:layoutNode name="sibTrans">
+          <dgm:alg type="sp"/>
+          <dgm:shape xmlns:r="http://schemas.openxmlformats.org/officeDocument/2006/relationships" r:blip="">
+            <dgm:adjLst/>
+          </dgm:shape>
+          <dgm:presOf/>
+          <dgm:constrLst/>
+          <dgm:ruleLst/>
+        </dgm:layoutNode>
+      </dgm:forEach>
+    </dgm:forEach>
+  </dgm:layoutNode>
+</dgm:layoutDef>
+</file>
+
+<file path=ppt/diagrams/layout4.xml><?xml version="1.0" encoding="utf-8"?>
 <dgm:layoutDef xmlns:dgm="http://schemas.openxmlformats.org/drawingml/2006/diagram" xmlns:a="http://schemas.openxmlformats.org/drawingml/2006/main" uniqueId="urn:microsoft.com/office/officeart/2005/8/layout/chevron2">
   <dgm:title val=""/>
   <dgm:desc val=""/>
@@ -10011,6 +11077,1040 @@
 </dgm:styleDef>
 </file>
 
+<file path=ppt/diagrams/quickStyle4.xml><?xml version="1.0" encoding="utf-8"?>
+<dgm:styleDef xmlns:dgm="http://schemas.openxmlformats.org/drawingml/2006/diagram" xmlns:a="http://schemas.openxmlformats.org/drawingml/2006/main" uniqueId="urn:microsoft.com/office/officeart/2005/8/quickstyle/simple1">
+  <dgm:title val=""/>
+  <dgm:desc val=""/>
+  <dgm:catLst>
+    <dgm:cat type="simple" pri="10100"/>
+  </dgm:catLst>
+  <dgm:scene3d>
+    <a:camera prst="orthographicFront"/>
+    <a:lightRig rig="threePt" dir="t"/>
+  </dgm:scene3d>
+  <dgm:styleLbl name="node0">
+    <dgm:scene3d>
+      <a:camera prst="orthographicFront"/>
+      <a:lightRig rig="threePt" dir="t"/>
+    </dgm:scene3d>
+    <dgm:sp3d/>
+    <dgm:txPr/>
+    <dgm:style>
+      <a:lnRef idx="2">
+        <a:scrgbClr r="0" g="0" b="0"/>
+      </a:lnRef>
+      <a:fillRef idx="1">
+        <a:scrgbClr r="0" g="0" b="0"/>
+      </a:fillRef>
+      <a:effectRef idx="0">
+        <a:scrgbClr r="0" g="0" b="0"/>
+      </a:effectRef>
+      <a:fontRef idx="minor">
+        <a:schemeClr val="lt1"/>
+      </a:fontRef>
+    </dgm:style>
+  </dgm:styleLbl>
+  <dgm:styleLbl name="lnNode1">
+    <dgm:scene3d>
+      <a:camera prst="orthographicFront"/>
+      <a:lightRig rig="threePt" dir="t"/>
+    </dgm:scene3d>
+    <dgm:sp3d/>
+    <dgm:txPr/>
+    <dgm:style>
+      <a:lnRef idx="2">
+        <a:scrgbClr r="0" g="0" b="0"/>
+      </a:lnRef>
+      <a:fillRef idx="1">
+        <a:scrgbClr r="0" g="0" b="0"/>
+      </a:fillRef>
+      <a:effectRef idx="0">
+        <a:scrgbClr r="0" g="0" b="0"/>
+      </a:effectRef>
+      <a:fontRef idx="minor">
+        <a:schemeClr val="lt1"/>
+      </a:fontRef>
+    </dgm:style>
+  </dgm:styleLbl>
+  <dgm:styleLbl name="vennNode1">
+    <dgm:scene3d>
+      <a:camera prst="orthographicFront"/>
+      <a:lightRig rig="threePt" dir="t"/>
+    </dgm:scene3d>
+    <dgm:sp3d/>
+    <dgm:txPr/>
+    <dgm:style>
+      <a:lnRef idx="2">
+        <a:scrgbClr r="0" g="0" b="0"/>
+      </a:lnRef>
+      <a:fillRef idx="1">
+        <a:scrgbClr r="0" g="0" b="0"/>
+      </a:fillRef>
+      <a:effectRef idx="0">
+        <a:scrgbClr r="0" g="0" b="0"/>
+      </a:effectRef>
+      <a:fontRef idx="minor">
+        <a:schemeClr val="tx1"/>
+      </a:fontRef>
+    </dgm:style>
+  </dgm:styleLbl>
+  <dgm:styleLbl name="alignNode1">
+    <dgm:scene3d>
+      <a:camera prst="orthographicFront"/>
+      <a:lightRig rig="threePt" dir="t"/>
+    </dgm:scene3d>
+    <dgm:sp3d/>
+    <dgm:txPr/>
+    <dgm:style>
+      <a:lnRef idx="2">
+        <a:scrgbClr r="0" g="0" b="0"/>
+      </a:lnRef>
+      <a:fillRef idx="1">
+        <a:scrgbClr r="0" g="0" b="0"/>
+      </a:fillRef>
+      <a:effectRef idx="0">
+        <a:scrgbClr r="0" g="0" b="0"/>
+      </a:effectRef>
+      <a:fontRef idx="minor">
+        <a:schemeClr val="lt1"/>
+      </a:fontRef>
+    </dgm:style>
+  </dgm:styleLbl>
+  <dgm:styleLbl name="node1">
+    <dgm:scene3d>
+      <a:camera prst="orthographicFront"/>
+      <a:lightRig rig="threePt" dir="t"/>
+    </dgm:scene3d>
+    <dgm:sp3d/>
+    <dgm:txPr/>
+    <dgm:style>
+      <a:lnRef idx="2">
+        <a:scrgbClr r="0" g="0" b="0"/>
+      </a:lnRef>
+      <a:fillRef idx="1">
+        <a:scrgbClr r="0" g="0" b="0"/>
+      </a:fillRef>
+      <a:effectRef idx="0">
+        <a:scrgbClr r="0" g="0" b="0"/>
+      </a:effectRef>
+      <a:fontRef idx="minor">
+        <a:schemeClr val="lt1"/>
+      </a:fontRef>
+    </dgm:style>
+  </dgm:styleLbl>
+  <dgm:styleLbl name="node2">
+    <dgm:scene3d>
+      <a:camera prst="orthographicFront"/>
+      <a:lightRig rig="threePt" dir="t"/>
+    </dgm:scene3d>
+    <dgm:sp3d/>
+    <dgm:txPr/>
+    <dgm:style>
+      <a:lnRef idx="2">
+        <a:scrgbClr r="0" g="0" b="0"/>
+      </a:lnRef>
+      <a:fillRef idx="1">
+        <a:scrgbClr r="0" g="0" b="0"/>
+      </a:fillRef>
+      <a:effectRef idx="0">
+        <a:scrgbClr r="0" g="0" b="0"/>
+      </a:effectRef>
+      <a:fontRef idx="minor">
+        <a:schemeClr val="lt1"/>
+      </a:fontRef>
+    </dgm:style>
+  </dgm:styleLbl>
+  <dgm:styleLbl name="node3">
+    <dgm:scene3d>
+      <a:camera prst="orthographicFront"/>
+      <a:lightRig rig="threePt" dir="t"/>
+    </dgm:scene3d>
+    <dgm:sp3d/>
+    <dgm:txPr/>
+    <dgm:style>
+      <a:lnRef idx="2">
+        <a:scrgbClr r="0" g="0" b="0"/>
+      </a:lnRef>
+      <a:fillRef idx="1">
+        <a:scrgbClr r="0" g="0" b="0"/>
+      </a:fillRef>
+      <a:effectRef idx="0">
+        <a:scrgbClr r="0" g="0" b="0"/>
+      </a:effectRef>
+      <a:fontRef idx="minor">
+        <a:schemeClr val="lt1"/>
+      </a:fontRef>
+    </dgm:style>
+  </dgm:styleLbl>
+  <dgm:styleLbl name="node4">
+    <dgm:scene3d>
+      <a:camera prst="orthographicFront"/>
+      <a:lightRig rig="threePt" dir="t"/>
+    </dgm:scene3d>
+    <dgm:sp3d/>
+    <dgm:txPr/>
+    <dgm:style>
+      <a:lnRef idx="2">
+        <a:scrgbClr r="0" g="0" b="0"/>
+      </a:lnRef>
+      <a:fillRef idx="1">
+        <a:scrgbClr r="0" g="0" b="0"/>
+      </a:fillRef>
+      <a:effectRef idx="0">
+        <a:scrgbClr r="0" g="0" b="0"/>
+      </a:effectRef>
+      <a:fontRef idx="minor">
+        <a:schemeClr val="lt1"/>
+      </a:fontRef>
+    </dgm:style>
+  </dgm:styleLbl>
+  <dgm:styleLbl name="fgImgPlace1">
+    <dgm:scene3d>
+      <a:camera prst="orthographicFront"/>
+      <a:lightRig rig="threePt" dir="t"/>
+    </dgm:scene3d>
+    <dgm:sp3d/>
+    <dgm:txPr/>
+    <dgm:style>
+      <a:lnRef idx="2">
+        <a:scrgbClr r="0" g="0" b="0"/>
+      </a:lnRef>
+      <a:fillRef idx="1">
+        <a:scrgbClr r="0" g="0" b="0"/>
+      </a:fillRef>
+      <a:effectRef idx="0">
+        <a:scrgbClr r="0" g="0" b="0"/>
+      </a:effectRef>
+      <a:fontRef idx="minor"/>
+    </dgm:style>
+  </dgm:styleLbl>
+  <dgm:styleLbl name="alignImgPlace1">
+    <dgm:scene3d>
+      <a:camera prst="orthographicFront"/>
+      <a:lightRig rig="threePt" dir="t"/>
+    </dgm:scene3d>
+    <dgm:sp3d/>
+    <dgm:txPr/>
+    <dgm:style>
+      <a:lnRef idx="2">
+        <a:scrgbClr r="0" g="0" b="0"/>
+      </a:lnRef>
+      <a:fillRef idx="1">
+        <a:scrgbClr r="0" g="0" b="0"/>
+      </a:fillRef>
+      <a:effectRef idx="0">
+        <a:scrgbClr r="0" g="0" b="0"/>
+      </a:effectRef>
+      <a:fontRef idx="minor"/>
+    </dgm:style>
+  </dgm:styleLbl>
+  <dgm:styleLbl name="bgImgPlace1">
+    <dgm:scene3d>
+      <a:camera prst="orthographicFront"/>
+      <a:lightRig rig="threePt" dir="t"/>
+    </dgm:scene3d>
+    <dgm:sp3d/>
+    <dgm:txPr/>
+    <dgm:style>
+      <a:lnRef idx="2">
+        <a:scrgbClr r="0" g="0" b="0"/>
+      </a:lnRef>
+      <a:fillRef idx="1">
+        <a:scrgbClr r="0" g="0" b="0"/>
+      </a:fillRef>
+      <a:effectRef idx="0">
+        <a:scrgbClr r="0" g="0" b="0"/>
+      </a:effectRef>
+      <a:fontRef idx="minor"/>
+    </dgm:style>
+  </dgm:styleLbl>
+  <dgm:styleLbl name="sibTrans2D1">
+    <dgm:scene3d>
+      <a:camera prst="orthographicFront"/>
+      <a:lightRig rig="threePt" dir="t"/>
+    </dgm:scene3d>
+    <dgm:sp3d/>
+    <dgm:txPr/>
+    <dgm:style>
+      <a:lnRef idx="0">
+        <a:scrgbClr r="0" g="0" b="0"/>
+      </a:lnRef>
+      <a:fillRef idx="1">
+        <a:scrgbClr r="0" g="0" b="0"/>
+      </a:fillRef>
+      <a:effectRef idx="0">
+        <a:scrgbClr r="0" g="0" b="0"/>
+      </a:effectRef>
+      <a:fontRef idx="minor">
+        <a:schemeClr val="lt1"/>
+      </a:fontRef>
+    </dgm:style>
+  </dgm:styleLbl>
+  <dgm:styleLbl name="fgSibTrans2D1">
+    <dgm:scene3d>
+      <a:camera prst="orthographicFront"/>
+      <a:lightRig rig="threePt" dir="t"/>
+    </dgm:scene3d>
+    <dgm:sp3d/>
+    <dgm:txPr/>
+    <dgm:style>
+      <a:lnRef idx="0">
+        <a:scrgbClr r="0" g="0" b="0"/>
+      </a:lnRef>
+      <a:fillRef idx="1">
+        <a:scrgbClr r="0" g="0" b="0"/>
+      </a:fillRef>
+      <a:effectRef idx="0">
+        <a:scrgbClr r="0" g="0" b="0"/>
+      </a:effectRef>
+      <a:fontRef idx="minor">
+        <a:schemeClr val="lt1"/>
+      </a:fontRef>
+    </dgm:style>
+  </dgm:styleLbl>
+  <dgm:styleLbl name="bgSibTrans2D1">
+    <dgm:scene3d>
+      <a:camera prst="orthographicFront"/>
+      <a:lightRig rig="threePt" dir="t"/>
+    </dgm:scene3d>
+    <dgm:sp3d/>
+    <dgm:txPr/>
+    <dgm:style>
+      <a:lnRef idx="0">
+        <a:scrgbClr r="0" g="0" b="0"/>
+      </a:lnRef>
+      <a:fillRef idx="1">
+        <a:scrgbClr r="0" g="0" b="0"/>
+      </a:fillRef>
+      <a:effectRef idx="0">
+        <a:scrgbClr r="0" g="0" b="0"/>
+      </a:effectRef>
+      <a:fontRef idx="minor">
+        <a:schemeClr val="lt1"/>
+      </a:fontRef>
+    </dgm:style>
+  </dgm:styleLbl>
+  <dgm:styleLbl name="sibTrans1D1">
+    <dgm:scene3d>
+      <a:camera prst="orthographicFront"/>
+      <a:lightRig rig="threePt" dir="t"/>
+    </dgm:scene3d>
+    <dgm:sp3d/>
+    <dgm:txPr/>
+    <dgm:style>
+      <a:lnRef idx="1">
+        <a:scrgbClr r="0" g="0" b="0"/>
+      </a:lnRef>
+      <a:fillRef idx="0">
+        <a:scrgbClr r="0" g="0" b="0"/>
+      </a:fillRef>
+      <a:effectRef idx="0">
+        <a:scrgbClr r="0" g="0" b="0"/>
+      </a:effectRef>
+      <a:fontRef idx="minor"/>
+    </dgm:style>
+  </dgm:styleLbl>
+  <dgm:styleLbl name="callout">
+    <dgm:scene3d>
+      <a:camera prst="orthographicFront"/>
+      <a:lightRig rig="threePt" dir="t"/>
+    </dgm:scene3d>
+    <dgm:sp3d/>
+    <dgm:txPr/>
+    <dgm:style>
+      <a:lnRef idx="2">
+        <a:scrgbClr r="0" g="0" b="0"/>
+      </a:lnRef>
+      <a:fillRef idx="1">
+        <a:scrgbClr r="0" g="0" b="0"/>
+      </a:fillRef>
+      <a:effectRef idx="0">
+        <a:scrgbClr r="0" g="0" b="0"/>
+      </a:effectRef>
+      <a:fontRef idx="minor"/>
+    </dgm:style>
+  </dgm:styleLbl>
+  <dgm:styleLbl name="asst0">
+    <dgm:scene3d>
+      <a:camera prst="orthographicFront"/>
+      <a:lightRig rig="threePt" dir="t"/>
+    </dgm:scene3d>
+    <dgm:sp3d/>
+    <dgm:txPr/>
+    <dgm:style>
+      <a:lnRef idx="2">
+        <a:scrgbClr r="0" g="0" b="0"/>
+      </a:lnRef>
+      <a:fillRef idx="1">
+        <a:scrgbClr r="0" g="0" b="0"/>
+      </a:fillRef>
+      <a:effectRef idx="0">
+        <a:scrgbClr r="0" g="0" b="0"/>
+      </a:effectRef>
+      <a:fontRef idx="minor">
+        <a:schemeClr val="lt1"/>
+      </a:fontRef>
+    </dgm:style>
+  </dgm:styleLbl>
+  <dgm:styleLbl name="asst1">
+    <dgm:scene3d>
+      <a:camera prst="orthographicFront"/>
+      <a:lightRig rig="threePt" dir="t"/>
+    </dgm:scene3d>
+    <dgm:sp3d/>
+    <dgm:txPr/>
+    <dgm:style>
+      <a:lnRef idx="2">
+        <a:scrgbClr r="0" g="0" b="0"/>
+      </a:lnRef>
+      <a:fillRef idx="1">
+        <a:scrgbClr r="0" g="0" b="0"/>
+      </a:fillRef>
+      <a:effectRef idx="0">
+        <a:scrgbClr r="0" g="0" b="0"/>
+      </a:effectRef>
+      <a:fontRef idx="minor">
+        <a:schemeClr val="lt1"/>
+      </a:fontRef>
+    </dgm:style>
+  </dgm:styleLbl>
+  <dgm:styleLbl name="asst2">
+    <dgm:scene3d>
+      <a:camera prst="orthographicFront"/>
+      <a:lightRig rig="threePt" dir="t"/>
+    </dgm:scene3d>
+    <dgm:sp3d/>
+    <dgm:txPr/>
+    <dgm:style>
+      <a:lnRef idx="2">
+        <a:scrgbClr r="0" g="0" b="0"/>
+      </a:lnRef>
+      <a:fillRef idx="1">
+        <a:scrgbClr r="0" g="0" b="0"/>
+      </a:fillRef>
+      <a:effectRef idx="0">
+        <a:scrgbClr r="0" g="0" b="0"/>
+      </a:effectRef>
+      <a:fontRef idx="minor">
+        <a:schemeClr val="lt1"/>
+      </a:fontRef>
+    </dgm:style>
+  </dgm:styleLbl>
+  <dgm:styleLbl name="asst3">
+    <dgm:scene3d>
+      <a:camera prst="orthographicFront"/>
+      <a:lightRig rig="threePt" dir="t"/>
+    </dgm:scene3d>
+    <dgm:sp3d/>
+    <dgm:txPr/>
+    <dgm:style>
+      <a:lnRef idx="2">
+        <a:scrgbClr r="0" g="0" b="0"/>
+      </a:lnRef>
+      <a:fillRef idx="1">
+        <a:scrgbClr r="0" g="0" b="0"/>
+      </a:fillRef>
+      <a:effectRef idx="0">
+        <a:scrgbClr r="0" g="0" b="0"/>
+      </a:effectRef>
+      <a:fontRef idx="minor">
+        <a:schemeClr val="lt1"/>
+      </a:fontRef>
+    </dgm:style>
+  </dgm:styleLbl>
+  <dgm:styleLbl name="asst4">
+    <dgm:scene3d>
+      <a:camera prst="orthographicFront"/>
+      <a:lightRig rig="threePt" dir="t"/>
+    </dgm:scene3d>
+    <dgm:sp3d/>
+    <dgm:txPr/>
+    <dgm:style>
+      <a:lnRef idx="2">
+        <a:scrgbClr r="0" g="0" b="0"/>
+      </a:lnRef>
+      <a:fillRef idx="1">
+        <a:scrgbClr r="0" g="0" b="0"/>
+      </a:fillRef>
+      <a:effectRef idx="0">
+        <a:scrgbClr r="0" g="0" b="0"/>
+      </a:effectRef>
+      <a:fontRef idx="minor">
+        <a:schemeClr val="lt1"/>
+      </a:fontRef>
+    </dgm:style>
+  </dgm:styleLbl>
+  <dgm:styleLbl name="parChTrans2D1">
+    <dgm:scene3d>
+      <a:camera prst="orthographicFront"/>
+      <a:lightRig rig="threePt" dir="t"/>
+    </dgm:scene3d>
+    <dgm:sp3d/>
+    <dgm:txPr/>
+    <dgm:style>
+      <a:lnRef idx="2">
+        <a:scrgbClr r="0" g="0" b="0"/>
+      </a:lnRef>
+      <a:fillRef idx="1">
+        <a:scrgbClr r="0" g="0" b="0"/>
+      </a:fillRef>
+      <a:effectRef idx="0">
+        <a:scrgbClr r="0" g="0" b="0"/>
+      </a:effectRef>
+      <a:fontRef idx="minor">
+        <a:schemeClr val="lt1"/>
+      </a:fontRef>
+    </dgm:style>
+  </dgm:styleLbl>
+  <dgm:styleLbl name="parChTrans2D2">
+    <dgm:scene3d>
+      <a:camera prst="orthographicFront"/>
+      <a:lightRig rig="threePt" dir="t"/>
+    </dgm:scene3d>
+    <dgm:sp3d/>
+    <dgm:txPr/>
+    <dgm:style>
+      <a:lnRef idx="2">
+        <a:scrgbClr r="0" g="0" b="0"/>
+      </a:lnRef>
+      <a:fillRef idx="1">
+        <a:scrgbClr r="0" g="0" b="0"/>
+      </a:fillRef>
+      <a:effectRef idx="0">
+        <a:scrgbClr r="0" g="0" b="0"/>
+      </a:effectRef>
+      <a:fontRef idx="minor">
+        <a:schemeClr val="lt1"/>
+      </a:fontRef>
+    </dgm:style>
+  </dgm:styleLbl>
+  <dgm:styleLbl name="parChTrans2D3">
+    <dgm:scene3d>
+      <a:camera prst="orthographicFront"/>
+      <a:lightRig rig="threePt" dir="t"/>
+    </dgm:scene3d>
+    <dgm:sp3d/>
+    <dgm:txPr/>
+    <dgm:style>
+      <a:lnRef idx="2">
+        <a:scrgbClr r="0" g="0" b="0"/>
+      </a:lnRef>
+      <a:fillRef idx="1">
+        <a:scrgbClr r="0" g="0" b="0"/>
+      </a:fillRef>
+      <a:effectRef idx="0">
+        <a:scrgbClr r="0" g="0" b="0"/>
+      </a:effectRef>
+      <a:fontRef idx="minor">
+        <a:schemeClr val="lt1"/>
+      </a:fontRef>
+    </dgm:style>
+  </dgm:styleLbl>
+  <dgm:styleLbl name="parChTrans2D4">
+    <dgm:scene3d>
+      <a:camera prst="orthographicFront"/>
+      <a:lightRig rig="threePt" dir="t"/>
+    </dgm:scene3d>
+    <dgm:sp3d/>
+    <dgm:txPr/>
+    <dgm:style>
+      <a:lnRef idx="2">
+        <a:scrgbClr r="0" g="0" b="0"/>
+      </a:lnRef>
+      <a:fillRef idx="1">
+        <a:scrgbClr r="0" g="0" b="0"/>
+      </a:fillRef>
+      <a:effectRef idx="0">
+        <a:scrgbClr r="0" g="0" b="0"/>
+      </a:effectRef>
+      <a:fontRef idx="minor">
+        <a:schemeClr val="lt1"/>
+      </a:fontRef>
+    </dgm:style>
+  </dgm:styleLbl>
+  <dgm:styleLbl name="parChTrans1D1">
+    <dgm:scene3d>
+      <a:camera prst="orthographicFront"/>
+      <a:lightRig rig="threePt" dir="t"/>
+    </dgm:scene3d>
+    <dgm:sp3d/>
+    <dgm:txPr/>
+    <dgm:style>
+      <a:lnRef idx="2">
+        <a:scrgbClr r="0" g="0" b="0"/>
+      </a:lnRef>
+      <a:fillRef idx="0">
+        <a:scrgbClr r="0" g="0" b="0"/>
+      </a:fillRef>
+      <a:effectRef idx="0">
+        <a:scrgbClr r="0" g="0" b="0"/>
+      </a:effectRef>
+      <a:fontRef idx="minor"/>
+    </dgm:style>
+  </dgm:styleLbl>
+  <dgm:styleLbl name="parChTrans1D2">
+    <dgm:scene3d>
+      <a:camera prst="orthographicFront"/>
+      <a:lightRig rig="threePt" dir="t"/>
+    </dgm:scene3d>
+    <dgm:sp3d/>
+    <dgm:txPr/>
+    <dgm:style>
+      <a:lnRef idx="2">
+        <a:scrgbClr r="0" g="0" b="0"/>
+      </a:lnRef>
+      <a:fillRef idx="0">
+        <a:scrgbClr r="0" g="0" b="0"/>
+      </a:fillRef>
+      <a:effectRef idx="0">
+        <a:scrgbClr r="0" g="0" b="0"/>
+      </a:effectRef>
+      <a:fontRef idx="minor"/>
+    </dgm:style>
+  </dgm:styleLbl>
+  <dgm:styleLbl name="parChTrans1D3">
+    <dgm:scene3d>
+      <a:camera prst="orthographicFront"/>
+      <a:lightRig rig="threePt" dir="t"/>
+    </dgm:scene3d>
+    <dgm:sp3d/>
+    <dgm:txPr/>
+    <dgm:style>
+      <a:lnRef idx="2">
+        <a:scrgbClr r="0" g="0" b="0"/>
+      </a:lnRef>
+      <a:fillRef idx="0">
+        <a:scrgbClr r="0" g="0" b="0"/>
+      </a:fillRef>
+      <a:effectRef idx="0">
+        <a:scrgbClr r="0" g="0" b="0"/>
+      </a:effectRef>
+      <a:fontRef idx="minor"/>
+    </dgm:style>
+  </dgm:styleLbl>
+  <dgm:styleLbl name="parChTrans1D4">
+    <dgm:scene3d>
+      <a:camera prst="orthographicFront"/>
+      <a:lightRig rig="threePt" dir="t"/>
+    </dgm:scene3d>
+    <dgm:sp3d/>
+    <dgm:txPr/>
+    <dgm:style>
+      <a:lnRef idx="2">
+        <a:scrgbClr r="0" g="0" b="0"/>
+      </a:lnRef>
+      <a:fillRef idx="0">
+        <a:scrgbClr r="0" g="0" b="0"/>
+      </a:fillRef>
+      <a:effectRef idx="0">
+        <a:scrgbClr r="0" g="0" b="0"/>
+      </a:effectRef>
+      <a:fontRef idx="minor"/>
+    </dgm:style>
+  </dgm:styleLbl>
+  <dgm:styleLbl name="fgAcc1">
+    <dgm:scene3d>
+      <a:camera prst="orthographicFront"/>
+      <a:lightRig rig="threePt" dir="t"/>
+    </dgm:scene3d>
+    <dgm:sp3d/>
+    <dgm:txPr/>
+    <dgm:style>
+      <a:lnRef idx="2">
+        <a:scrgbClr r="0" g="0" b="0"/>
+      </a:lnRef>
+      <a:fillRef idx="1">
+        <a:scrgbClr r="0" g="0" b="0"/>
+      </a:fillRef>
+      <a:effectRef idx="0">
+        <a:scrgbClr r="0" g="0" b="0"/>
+      </a:effectRef>
+      <a:fontRef idx="minor"/>
+    </dgm:style>
+  </dgm:styleLbl>
+  <dgm:styleLbl name="conFgAcc1">
+    <dgm:scene3d>
+      <a:camera prst="orthographicFront"/>
+      <a:lightRig rig="threePt" dir="t"/>
+    </dgm:scene3d>
+    <dgm:sp3d/>
+    <dgm:txPr/>
+    <dgm:style>
+      <a:lnRef idx="2">
+        <a:scrgbClr r="0" g="0" b="0"/>
+      </a:lnRef>
+      <a:fillRef idx="1">
+        <a:scrgbClr r="0" g="0" b="0"/>
+      </a:fillRef>
+      <a:effectRef idx="0">
+        <a:scrgbClr r="0" g="0" b="0"/>
+      </a:effectRef>
+      <a:fontRef idx="minor"/>
+    </dgm:style>
+  </dgm:styleLbl>
+  <dgm:styleLbl name="alignAcc1">
+    <dgm:scene3d>
+      <a:camera prst="orthographicFront"/>
+      <a:lightRig rig="threePt" dir="t"/>
+    </dgm:scene3d>
+    <dgm:sp3d/>
+    <dgm:txPr/>
+    <dgm:style>
+      <a:lnRef idx="2">
+        <a:scrgbClr r="0" g="0" b="0"/>
+      </a:lnRef>
+      <a:fillRef idx="1">
+        <a:scrgbClr r="0" g="0" b="0"/>
+      </a:fillRef>
+      <a:effectRef idx="0">
+        <a:scrgbClr r="0" g="0" b="0"/>
+      </a:effectRef>
+      <a:fontRef idx="minor"/>
+    </dgm:style>
+  </dgm:styleLbl>
+  <dgm:styleLbl name="trAlignAcc1">
+    <dgm:scene3d>
+      <a:camera prst="orthographicFront"/>
+      <a:lightRig rig="threePt" dir="t"/>
+    </dgm:scene3d>
+    <dgm:sp3d/>
+    <dgm:txPr/>
+    <dgm:style>
+      <a:lnRef idx="1">
+        <a:scrgbClr r="0" g="0" b="0"/>
+      </a:lnRef>
+      <a:fillRef idx="1">
+        <a:scrgbClr r="0" g="0" b="0"/>
+      </a:fillRef>
+      <a:effectRef idx="0">
+        <a:scrgbClr r="0" g="0" b="0"/>
+      </a:effectRef>
+      <a:fontRef idx="minor"/>
+    </dgm:style>
+  </dgm:styleLbl>
+  <dgm:styleLbl name="bgAcc1">
+    <dgm:scene3d>
+      <a:camera prst="orthographicFront"/>
+      <a:lightRig rig="threePt" dir="t"/>
+    </dgm:scene3d>
+    <dgm:sp3d/>
+    <dgm:txPr/>
+    <dgm:style>
+      <a:lnRef idx="2">
+        <a:scrgbClr r="0" g="0" b="0"/>
+      </a:lnRef>
+      <a:fillRef idx="1">
+        <a:scrgbClr r="0" g="0" b="0"/>
+      </a:fillRef>
+      <a:effectRef idx="0">
+        <a:scrgbClr r="0" g="0" b="0"/>
+      </a:effectRef>
+      <a:fontRef idx="minor"/>
+    </dgm:style>
+  </dgm:styleLbl>
+  <dgm:styleLbl name="solidFgAcc1">
+    <dgm:scene3d>
+      <a:camera prst="orthographicFront"/>
+      <a:lightRig rig="threePt" dir="t"/>
+    </dgm:scene3d>
+    <dgm:sp3d/>
+    <dgm:txPr/>
+    <dgm:style>
+      <a:lnRef idx="2">
+        <a:scrgbClr r="0" g="0" b="0"/>
+      </a:lnRef>
+      <a:fillRef idx="1">
+        <a:scrgbClr r="0" g="0" b="0"/>
+      </a:fillRef>
+      <a:effectRef idx="0">
+        <a:scrgbClr r="0" g="0" b="0"/>
+      </a:effectRef>
+      <a:fontRef idx="minor"/>
+    </dgm:style>
+  </dgm:styleLbl>
+  <dgm:styleLbl name="solidAlignAcc1">
+    <dgm:scene3d>
+      <a:camera prst="orthographicFront"/>
+      <a:lightRig rig="threePt" dir="t"/>
+    </dgm:scene3d>
+    <dgm:sp3d/>
+    <dgm:txPr/>
+    <dgm:style>
+      <a:lnRef idx="2">
+        <a:scrgbClr r="0" g="0" b="0"/>
+      </a:lnRef>
+      <a:fillRef idx="1">
+        <a:scrgbClr r="0" g="0" b="0"/>
+      </a:fillRef>
+      <a:effectRef idx="0">
+        <a:scrgbClr r="0" g="0" b="0"/>
+      </a:effectRef>
+      <a:fontRef idx="minor"/>
+    </dgm:style>
+  </dgm:styleLbl>
+  <dgm:styleLbl name="solidBgAcc1">
+    <dgm:scene3d>
+      <a:camera prst="orthographicFront"/>
+      <a:lightRig rig="threePt" dir="t"/>
+    </dgm:scene3d>
+    <dgm:sp3d/>
+    <dgm:txPr/>
+    <dgm:style>
+      <a:lnRef idx="2">
+        <a:scrgbClr r="0" g="0" b="0"/>
+      </a:lnRef>
+      <a:fillRef idx="1">
+        <a:scrgbClr r="0" g="0" b="0"/>
+      </a:fillRef>
+      <a:effectRef idx="0">
+        <a:scrgbClr r="0" g="0" b="0"/>
+      </a:effectRef>
+      <a:fontRef idx="minor"/>
+    </dgm:style>
+  </dgm:styleLbl>
+  <dgm:styleLbl name="fgAccFollowNode1">
+    <dgm:scene3d>
+      <a:camera prst="orthographicFront"/>
+      <a:lightRig rig="threePt" dir="t"/>
+    </dgm:scene3d>
+    <dgm:sp3d/>
+    <dgm:txPr/>
+    <dgm:style>
+      <a:lnRef idx="2">
+        <a:scrgbClr r="0" g="0" b="0"/>
+      </a:lnRef>
+      <a:fillRef idx="1">
+        <a:scrgbClr r="0" g="0" b="0"/>
+      </a:fillRef>
+      <a:effectRef idx="0">
+        <a:scrgbClr r="0" g="0" b="0"/>
+      </a:effectRef>
+      <a:fontRef idx="minor"/>
+    </dgm:style>
+  </dgm:styleLbl>
+  <dgm:styleLbl name="alignAccFollowNode1">
+    <dgm:scene3d>
+      <a:camera prst="orthographicFront"/>
+      <a:lightRig rig="threePt" dir="t"/>
+    </dgm:scene3d>
+    <dgm:sp3d/>
+    <dgm:txPr/>
+    <dgm:style>
+      <a:lnRef idx="2">
+        <a:scrgbClr r="0" g="0" b="0"/>
+      </a:lnRef>
+      <a:fillRef idx="1">
+        <a:scrgbClr r="0" g="0" b="0"/>
+      </a:fillRef>
+      <a:effectRef idx="0">
+        <a:scrgbClr r="0" g="0" b="0"/>
+      </a:effectRef>
+      <a:fontRef idx="minor"/>
+    </dgm:style>
+  </dgm:styleLbl>
+  <dgm:styleLbl name="bgAccFollowNode1">
+    <dgm:scene3d>
+      <a:camera prst="orthographicFront"/>
+      <a:lightRig rig="threePt" dir="t"/>
+    </dgm:scene3d>
+    <dgm:sp3d/>
+    <dgm:txPr/>
+    <dgm:style>
+      <a:lnRef idx="2">
+        <a:scrgbClr r="0" g="0" b="0"/>
+      </a:lnRef>
+      <a:fillRef idx="1">
+        <a:scrgbClr r="0" g="0" b="0"/>
+      </a:fillRef>
+      <a:effectRef idx="0">
+        <a:scrgbClr r="0" g="0" b="0"/>
+      </a:effectRef>
+      <a:fontRef idx="minor"/>
+    </dgm:style>
+  </dgm:styleLbl>
+  <dgm:styleLbl name="fgAcc0">
+    <dgm:scene3d>
+      <a:camera prst="orthographicFront"/>
+      <a:lightRig rig="threePt" dir="t"/>
+    </dgm:scene3d>
+    <dgm:sp3d/>
+    <dgm:txPr/>
+    <dgm:style>
+      <a:lnRef idx="2">
+        <a:scrgbClr r="0" g="0" b="0"/>
+      </a:lnRef>
+      <a:fillRef idx="1">
+        <a:scrgbClr r="0" g="0" b="0"/>
+      </a:fillRef>
+      <a:effectRef idx="0">
+        <a:scrgbClr r="0" g="0" b="0"/>
+      </a:effectRef>
+      <a:fontRef idx="minor"/>
+    </dgm:style>
+  </dgm:styleLbl>
+  <dgm:styleLbl name="fgAcc2">
+    <dgm:scene3d>
+      <a:camera prst="orthographicFront"/>
+      <a:lightRig rig="threePt" dir="t"/>
+    </dgm:scene3d>
+    <dgm:sp3d/>
+    <dgm:txPr/>
+    <dgm:style>
+      <a:lnRef idx="2">
+        <a:scrgbClr r="0" g="0" b="0"/>
+      </a:lnRef>
+      <a:fillRef idx="1">
+        <a:scrgbClr r="0" g="0" b="0"/>
+      </a:fillRef>
+      <a:effectRef idx="0">
+        <a:scrgbClr r="0" g="0" b="0"/>
+      </a:effectRef>
+      <a:fontRef idx="minor"/>
+    </dgm:style>
+  </dgm:styleLbl>
+  <dgm:styleLbl name="fgAcc3">
+    <dgm:scene3d>
+      <a:camera prst="orthographicFront"/>
+      <a:lightRig rig="threePt" dir="t"/>
+    </dgm:scene3d>
+    <dgm:sp3d/>
+    <dgm:txPr/>
+    <dgm:style>
+      <a:lnRef idx="2">
+        <a:scrgbClr r="0" g="0" b="0"/>
+      </a:lnRef>
+      <a:fillRef idx="1">
+        <a:scrgbClr r="0" g="0" b="0"/>
+      </a:fillRef>
+      <a:effectRef idx="0">
+        <a:scrgbClr r="0" g="0" b="0"/>
+      </a:effectRef>
+      <a:fontRef idx="minor"/>
+    </dgm:style>
+  </dgm:styleLbl>
+  <dgm:styleLbl name="fgAcc4">
+    <dgm:scene3d>
+      <a:camera prst="orthographicFront"/>
+      <a:lightRig rig="threePt" dir="t"/>
+    </dgm:scene3d>
+    <dgm:sp3d/>
+    <dgm:txPr/>
+    <dgm:style>
+      <a:lnRef idx="2">
+        <a:scrgbClr r="0" g="0" b="0"/>
+      </a:lnRef>
+      <a:fillRef idx="1">
+        <a:scrgbClr r="0" g="0" b="0"/>
+      </a:fillRef>
+      <a:effectRef idx="0">
+        <a:scrgbClr r="0" g="0" b="0"/>
+      </a:effectRef>
+      <a:fontRef idx="minor"/>
+    </dgm:style>
+  </dgm:styleLbl>
+  <dgm:styleLbl name="bgShp">
+    <dgm:scene3d>
+      <a:camera prst="orthographicFront"/>
+      <a:lightRig rig="threePt" dir="t"/>
+    </dgm:scene3d>
+    <dgm:sp3d/>
+    <dgm:txPr/>
+    <dgm:style>
+      <a:lnRef idx="0">
+        <a:scrgbClr r="0" g="0" b="0"/>
+      </a:lnRef>
+      <a:fillRef idx="1">
+        <a:scrgbClr r="0" g="0" b="0"/>
+      </a:fillRef>
+      <a:effectRef idx="0">
+        <a:scrgbClr r="0" g="0" b="0"/>
+      </a:effectRef>
+      <a:fontRef idx="minor"/>
+    </dgm:style>
+  </dgm:styleLbl>
+  <dgm:styleLbl name="dkBgShp">
+    <dgm:scene3d>
+      <a:camera prst="orthographicFront"/>
+      <a:lightRig rig="threePt" dir="t"/>
+    </dgm:scene3d>
+    <dgm:sp3d/>
+    <dgm:txPr/>
+    <dgm:style>
+      <a:lnRef idx="0">
+        <a:scrgbClr r="0" g="0" b="0"/>
+      </a:lnRef>
+      <a:fillRef idx="1">
+        <a:scrgbClr r="0" g="0" b="0"/>
+      </a:fillRef>
+      <a:effectRef idx="0">
+        <a:scrgbClr r="0" g="0" b="0"/>
+      </a:effectRef>
+      <a:fontRef idx="minor"/>
+    </dgm:style>
+  </dgm:styleLbl>
+  <dgm:styleLbl name="trBgShp">
+    <dgm:scene3d>
+      <a:camera prst="orthographicFront"/>
+      <a:lightRig rig="threePt" dir="t"/>
+    </dgm:scene3d>
+    <dgm:sp3d/>
+    <dgm:txPr/>
+    <dgm:style>
+      <a:lnRef idx="0">
+        <a:scrgbClr r="0" g="0" b="0"/>
+      </a:lnRef>
+      <a:fillRef idx="1">
+        <a:scrgbClr r="0" g="0" b="0"/>
+      </a:fillRef>
+      <a:effectRef idx="0">
+        <a:scrgbClr r="0" g="0" b="0"/>
+      </a:effectRef>
+      <a:fontRef idx="minor"/>
+    </dgm:style>
+  </dgm:styleLbl>
+  <dgm:styleLbl name="fgShp">
+    <dgm:scene3d>
+      <a:camera prst="orthographicFront"/>
+      <a:lightRig rig="threePt" dir="t"/>
+    </dgm:scene3d>
+    <dgm:sp3d/>
+    <dgm:txPr/>
+    <dgm:style>
+      <a:lnRef idx="2">
+        <a:scrgbClr r="0" g="0" b="0"/>
+      </a:lnRef>
+      <a:fillRef idx="1">
+        <a:scrgbClr r="0" g="0" b="0"/>
+      </a:fillRef>
+      <a:effectRef idx="0">
+        <a:scrgbClr r="0" g="0" b="0"/>
+      </a:effectRef>
+      <a:fontRef idx="minor"/>
+    </dgm:style>
+  </dgm:styleLbl>
+  <dgm:styleLbl name="revTx">
+    <dgm:scene3d>
+      <a:camera prst="orthographicFront"/>
+      <a:lightRig rig="threePt" dir="t"/>
+    </dgm:scene3d>
+    <dgm:sp3d/>
+    <dgm:txPr/>
+    <dgm:style>
+      <a:lnRef idx="0">
+        <a:scrgbClr r="0" g="0" b="0"/>
+      </a:lnRef>
+      <a:fillRef idx="0">
+        <a:scrgbClr r="0" g="0" b="0"/>
+      </a:fillRef>
+      <a:effectRef idx="0">
+        <a:scrgbClr r="0" g="0" b="0"/>
+      </a:effectRef>
+      <a:fontRef idx="minor"/>
+    </dgm:style>
+  </dgm:styleLbl>
+</dgm:styleDef>
+</file>
+
 <file path=ppt/slideLayouts/slideLayout1.xml><?xml version="1.0" encoding="utf-8"?>
 <p:sldLayout xmlns:a="http://schemas.openxmlformats.org/drawingml/2006/main" xmlns:r="http://schemas.openxmlformats.org/officeDocument/2006/relationships" xmlns:p="http://schemas.openxmlformats.org/presentationml/2006/main" type="title" preserve="1">
   <p:cSld name="标题幻灯片">
@@ -10203,7 +12303,7 @@
           <a:p>
             <a:fld id="{530820CF-B880-4189-942D-D702A7CBA730}" type="datetimeFigureOut">
               <a:rPr lang="zh-CN" altLang="en-US" smtClean="0"/>
-              <a:t>2018/9/11</a:t>
+              <a:t>2019/10/15</a:t>
             </a:fld>
             <a:endParaRPr lang="zh-CN" altLang="en-US"/>
           </a:p>
@@ -10368,7 +12468,7 @@
           <a:p>
             <a:fld id="{530820CF-B880-4189-942D-D702A7CBA730}" type="datetimeFigureOut">
               <a:rPr lang="zh-CN" altLang="en-US" smtClean="0"/>
-              <a:t>2018/9/11</a:t>
+              <a:t>2019/10/15</a:t>
             </a:fld>
             <a:endParaRPr lang="zh-CN" altLang="en-US"/>
           </a:p>
@@ -10543,7 +12643,7 @@
           <a:p>
             <a:fld id="{530820CF-B880-4189-942D-D702A7CBA730}" type="datetimeFigureOut">
               <a:rPr lang="zh-CN" altLang="en-US" smtClean="0"/>
-              <a:t>2018/9/11</a:t>
+              <a:t>2019/10/15</a:t>
             </a:fld>
             <a:endParaRPr lang="zh-CN" altLang="en-US"/>
           </a:p>
@@ -10726,7 +12826,7 @@
           <a:p>
             <a:fld id="{530820CF-B880-4189-942D-D702A7CBA730}" type="datetimeFigureOut">
               <a:rPr lang="zh-CN" altLang="en-US" smtClean="0"/>
-              <a:t>2018/9/11</a:t>
+              <a:t>2019/10/15</a:t>
             </a:fld>
             <a:endParaRPr lang="zh-CN" altLang="en-US"/>
           </a:p>
@@ -10988,7 +13088,7 @@
           <a:p>
             <a:fld id="{530820CF-B880-4189-942D-D702A7CBA730}" type="datetimeFigureOut">
               <a:rPr lang="zh-CN" altLang="en-US" smtClean="0"/>
-              <a:t>2018/9/11</a:t>
+              <a:t>2019/10/15</a:t>
             </a:fld>
             <a:endParaRPr lang="zh-CN" altLang="en-US"/>
           </a:p>
@@ -11336,7 +13436,7 @@
           <a:p>
             <a:fld id="{530820CF-B880-4189-942D-D702A7CBA730}" type="datetimeFigureOut">
               <a:rPr lang="zh-CN" altLang="en-US" smtClean="0"/>
-              <a:t>2018/9/11</a:t>
+              <a:t>2019/10/15</a:t>
             </a:fld>
             <a:endParaRPr lang="zh-CN" altLang="en-US"/>
           </a:p>
@@ -11644,7 +13744,7 @@
           <a:p>
             <a:fld id="{530820CF-B880-4189-942D-D702A7CBA730}" type="datetimeFigureOut">
               <a:rPr lang="zh-CN" altLang="en-US" smtClean="0"/>
-              <a:t>2018/9/11</a:t>
+              <a:t>2019/10/15</a:t>
             </a:fld>
             <a:endParaRPr lang="zh-CN" altLang="en-US"/>
           </a:p>
@@ -11871,7 +13971,7 @@
           <a:p>
             <a:fld id="{530820CF-B880-4189-942D-D702A7CBA730}" type="datetimeFigureOut">
               <a:rPr lang="zh-CN" altLang="en-US" smtClean="0"/>
-              <a:t>2018/9/11</a:t>
+              <a:t>2019/10/15</a:t>
             </a:fld>
             <a:endParaRPr lang="zh-CN" altLang="en-US"/>
           </a:p>
@@ -11961,7 +14061,7 @@
           <a:p>
             <a:fld id="{530820CF-B880-4189-942D-D702A7CBA730}" type="datetimeFigureOut">
               <a:rPr lang="zh-CN" altLang="en-US" smtClean="0"/>
-              <a:t>2018/9/11</a:t>
+              <a:t>2019/10/15</a:t>
             </a:fld>
             <a:endParaRPr lang="zh-CN" altLang="en-US"/>
           </a:p>
@@ -12249,7 +14349,7 @@
           <a:p>
             <a:fld id="{530820CF-B880-4189-942D-D702A7CBA730}" type="datetimeFigureOut">
               <a:rPr lang="zh-CN" altLang="en-US" smtClean="0"/>
-              <a:t>2018/9/11</a:t>
+              <a:t>2019/10/15</a:t>
             </a:fld>
             <a:endParaRPr lang="zh-CN" altLang="en-US"/>
           </a:p>
@@ -12518,7 +14618,7 @@
           <a:p>
             <a:fld id="{530820CF-B880-4189-942D-D702A7CBA730}" type="datetimeFigureOut">
               <a:rPr lang="zh-CN" altLang="en-US" smtClean="0"/>
-              <a:t>2018/9/11</a:t>
+              <a:t>2019/10/15</a:t>
             </a:fld>
             <a:endParaRPr lang="zh-CN" altLang="en-US"/>
           </a:p>
@@ -12728,7 +14828,7 @@
           <a:p>
             <a:fld id="{530820CF-B880-4189-942D-D702A7CBA730}" type="datetimeFigureOut">
               <a:rPr lang="zh-CN" altLang="en-US" smtClean="0"/>
-              <a:t>2018/9/11</a:t>
+              <a:t>2019/10/15</a:t>
             </a:fld>
             <a:endParaRPr lang="zh-CN" altLang="en-US"/>
           </a:p>
@@ -14384,7 +16484,13 @@
       </p:grpSpPr>
       <p:sp>
         <p:nvSpPr>
-          <p:cNvPr id="2" name="标题 1"/>
+          <p:cNvPr id="2" name="标题 1">
+            <a:extLst>
+              <a:ext uri="{FF2B5EF4-FFF2-40B4-BE49-F238E27FC236}">
+                <a16:creationId xmlns:a16="http://schemas.microsoft.com/office/drawing/2014/main" id="{C063D977-7FAE-469C-BC9C-B90F1A522552}"/>
+              </a:ext>
+            </a:extLst>
+          </p:cNvPr>
           <p:cNvSpPr>
             <a:spLocks noGrp="1"/>
           </p:cNvSpPr>
@@ -14392,442 +16498,54 @@
             <p:ph type="title"/>
           </p:nvPr>
         </p:nvSpPr>
-        <p:spPr>
-          <a:xfrm>
-            <a:off x="467544" y="-164554"/>
-            <a:ext cx="8229600" cy="1200150"/>
-          </a:xfrm>
-        </p:spPr>
+        <p:spPr/>
         <p:txBody>
           <a:bodyPr/>
           <a:lstStyle/>
           <a:p>
             <a:r>
-              <a:rPr lang="en-US" altLang="zh-CN" sz="4800" dirty="0"/>
-              <a:t>7.3  Servlet</a:t>
-            </a:r>
-            <a:r>
-              <a:rPr lang="zh-CN" altLang="en-US" sz="4800" dirty="0"/>
-              <a:t>的开发实例</a:t>
-            </a:r>
-          </a:p>
-        </p:txBody>
-      </p:sp>
-      <p:sp>
-        <p:nvSpPr>
-          <p:cNvPr id="3" name="内容占位符 2"/>
-          <p:cNvSpPr>
-            <a:spLocks noGrp="1"/>
-          </p:cNvSpPr>
-          <p:nvPr>
-            <p:ph idx="1"/>
-          </p:nvPr>
-        </p:nvSpPr>
-        <p:spPr>
-          <a:xfrm>
-            <a:off x="107504" y="1203598"/>
-            <a:ext cx="5410944" cy="3394472"/>
-          </a:xfrm>
-        </p:spPr>
-        <p:txBody>
-          <a:bodyPr>
-            <a:normAutofit/>
-          </a:bodyPr>
-          <a:lstStyle/>
-          <a:p>
-            <a:pPr marL="0" indent="0">
-              <a:buNone/>
-            </a:pPr>
-            <a:r>
-              <a:rPr lang="zh-CN" altLang="en-US" sz="2800" b="1" dirty="0">
-                <a:solidFill>
-                  <a:schemeClr val="tx2"/>
-                </a:solidFill>
-                <a:latin typeface="+mn-ea"/>
-              </a:rPr>
-              <a:t>采用</a:t>
-            </a:r>
-            <a:r>
-              <a:rPr lang="en-US" altLang="zh-CN" sz="2800" b="1" dirty="0" err="1">
-                <a:solidFill>
-                  <a:schemeClr val="tx2"/>
-                </a:solidFill>
-                <a:latin typeface="+mn-ea"/>
-              </a:rPr>
-              <a:t>MyEclipse</a:t>
-            </a:r>
-            <a:r>
-              <a:rPr lang="zh-CN" altLang="en-US" sz="2800" b="1" dirty="0">
-                <a:solidFill>
-                  <a:schemeClr val="tx2"/>
-                </a:solidFill>
-                <a:latin typeface="+mn-ea"/>
-              </a:rPr>
-              <a:t>实现</a:t>
-            </a:r>
-            <a:r>
-              <a:rPr lang="en-US" altLang="zh-CN" sz="2800" b="1" dirty="0">
-                <a:solidFill>
-                  <a:schemeClr val="tx2"/>
-                </a:solidFill>
-                <a:latin typeface="+mn-ea"/>
-              </a:rPr>
-              <a:t>Servlet</a:t>
-            </a:r>
-            <a:r>
-              <a:rPr lang="zh-CN" altLang="en-US" sz="2800" b="1" dirty="0">
-                <a:solidFill>
-                  <a:schemeClr val="tx2"/>
-                </a:solidFill>
-                <a:latin typeface="+mn-ea"/>
-              </a:rPr>
-              <a:t>开发</a:t>
-            </a:r>
-            <a:endParaRPr lang="en-US" altLang="zh-CN" sz="2800" b="1" dirty="0">
-              <a:solidFill>
-                <a:schemeClr val="tx2"/>
-              </a:solidFill>
-              <a:latin typeface="+mn-ea"/>
-            </a:endParaRPr>
-          </a:p>
-          <a:p>
-            <a:pPr marL="0" indent="0">
-              <a:buNone/>
-            </a:pPr>
-            <a:r>
-              <a:rPr lang="zh-CN" altLang="en-US" dirty="0">
-                <a:solidFill>
-                  <a:schemeClr val="tx1"/>
-                </a:solidFill>
-              </a:rPr>
-              <a:t>创建</a:t>
-            </a:r>
-            <a:r>
-              <a:rPr lang="en-US" altLang="zh-CN" dirty="0">
-                <a:solidFill>
-                  <a:schemeClr val="tx1"/>
-                </a:solidFill>
-              </a:rPr>
-              <a:t>Servlet</a:t>
-            </a:r>
-            <a:r>
-              <a:rPr lang="zh-CN" altLang="en-US" dirty="0">
-                <a:solidFill>
-                  <a:schemeClr val="tx1"/>
-                </a:solidFill>
-              </a:rPr>
-              <a:t>步骤</a:t>
-            </a:r>
-            <a:r>
-              <a:rPr lang="zh-CN" altLang="en-US" sz="1600" dirty="0"/>
-              <a:t>：</a:t>
-            </a:r>
-          </a:p>
-          <a:p>
-            <a:pPr marL="0" indent="0">
-              <a:buNone/>
-            </a:pPr>
-            <a:r>
-              <a:rPr lang="zh-CN" altLang="en-US" sz="2000" dirty="0">
-                <a:solidFill>
-                  <a:schemeClr val="tx1"/>
-                </a:solidFill>
-              </a:rPr>
-              <a:t>（</a:t>
-            </a:r>
-            <a:r>
-              <a:rPr lang="en-US" altLang="zh-CN" sz="2000" dirty="0">
-                <a:solidFill>
-                  <a:schemeClr val="tx1"/>
-                </a:solidFill>
-              </a:rPr>
-              <a:t>1</a:t>
-            </a:r>
-            <a:r>
-              <a:rPr lang="zh-CN" altLang="en-US" sz="2000" dirty="0">
-                <a:solidFill>
-                  <a:schemeClr val="tx1"/>
-                </a:solidFill>
-              </a:rPr>
-              <a:t>）在</a:t>
-            </a:r>
-            <a:r>
-              <a:rPr lang="en-US" altLang="zh-CN" sz="2000" dirty="0" err="1">
-                <a:solidFill>
-                  <a:schemeClr val="tx1"/>
-                </a:solidFill>
-              </a:rPr>
-              <a:t>MyEclipse</a:t>
-            </a:r>
-            <a:r>
-              <a:rPr lang="zh-CN" altLang="en-US" sz="2000" dirty="0">
-                <a:solidFill>
-                  <a:schemeClr val="tx1"/>
-                </a:solidFill>
-              </a:rPr>
-              <a:t>新建一个</a:t>
-            </a:r>
-            <a:r>
-              <a:rPr lang="en-US" altLang="zh-CN" sz="2000" dirty="0">
-                <a:solidFill>
-                  <a:schemeClr val="tx1"/>
-                </a:solidFill>
-              </a:rPr>
-              <a:t>web</a:t>
-            </a:r>
-            <a:r>
-              <a:rPr lang="zh-CN" altLang="en-US" sz="2000" dirty="0">
-                <a:solidFill>
-                  <a:schemeClr val="tx1"/>
-                </a:solidFill>
-              </a:rPr>
-              <a:t>工程。打开</a:t>
-            </a:r>
-            <a:r>
-              <a:rPr lang="en-US" altLang="zh-CN" sz="2000" dirty="0" err="1">
-                <a:solidFill>
-                  <a:schemeClr val="tx1"/>
-                </a:solidFill>
-              </a:rPr>
-              <a:t>MyEclipse</a:t>
-            </a:r>
-            <a:r>
-              <a:rPr lang="zh-CN" altLang="en-US" sz="2000" dirty="0">
-                <a:solidFill>
-                  <a:schemeClr val="tx1"/>
-                </a:solidFill>
-              </a:rPr>
-              <a:t>，选择</a:t>
-            </a:r>
-            <a:r>
-              <a:rPr lang="en-US" altLang="zh-CN" sz="2000" dirty="0">
-                <a:solidFill>
-                  <a:schemeClr val="tx1"/>
-                </a:solidFill>
-              </a:rPr>
-              <a:t>File-&gt;New-&gt;</a:t>
-            </a:r>
-            <a:r>
-              <a:rPr lang="en-US" altLang="zh-CN" sz="2000" dirty="0" err="1">
-                <a:solidFill>
-                  <a:schemeClr val="tx1"/>
-                </a:solidFill>
-              </a:rPr>
-              <a:t>WebProject</a:t>
-            </a:r>
-            <a:r>
-              <a:rPr lang="zh-CN" altLang="en-US" sz="2000" dirty="0">
-                <a:solidFill>
-                  <a:schemeClr val="tx1"/>
-                </a:solidFill>
-              </a:rPr>
-              <a:t>。</a:t>
-            </a:r>
-          </a:p>
-          <a:p>
-            <a:pPr marL="0" indent="0">
-              <a:buNone/>
-            </a:pPr>
-            <a:r>
-              <a:rPr lang="zh-CN" altLang="en-US" sz="2000" dirty="0">
-                <a:solidFill>
-                  <a:schemeClr val="tx1"/>
-                </a:solidFill>
-              </a:rPr>
-              <a:t>（</a:t>
-            </a:r>
-            <a:r>
-              <a:rPr lang="en-US" altLang="zh-CN" sz="2000" dirty="0">
-                <a:solidFill>
-                  <a:schemeClr val="tx1"/>
-                </a:solidFill>
-              </a:rPr>
-              <a:t>2</a:t>
-            </a:r>
-            <a:r>
-              <a:rPr lang="zh-CN" altLang="en-US" sz="2000" dirty="0">
-                <a:solidFill>
-                  <a:schemeClr val="tx1"/>
-                </a:solidFill>
-              </a:rPr>
-              <a:t>）在</a:t>
-            </a:r>
-            <a:r>
-              <a:rPr lang="en-US" altLang="zh-CN" sz="2000" dirty="0" err="1">
-                <a:solidFill>
-                  <a:schemeClr val="tx1"/>
-                </a:solidFill>
-              </a:rPr>
-              <a:t>src</a:t>
-            </a:r>
-            <a:r>
-              <a:rPr lang="zh-CN" altLang="en-US" sz="2000" dirty="0">
-                <a:solidFill>
-                  <a:schemeClr val="tx1"/>
-                </a:solidFill>
-              </a:rPr>
-              <a:t>下新建</a:t>
-            </a:r>
-            <a:r>
-              <a:rPr lang="en-US" altLang="zh-CN" sz="2000" dirty="0">
-                <a:solidFill>
-                  <a:schemeClr val="tx1"/>
-                </a:solidFill>
-              </a:rPr>
-              <a:t>Servlet</a:t>
-            </a:r>
-            <a:r>
-              <a:rPr lang="zh-CN" altLang="en-US" sz="2000" dirty="0">
-                <a:solidFill>
-                  <a:schemeClr val="tx1"/>
-                </a:solidFill>
-              </a:rPr>
-              <a:t>文件（</a:t>
-            </a:r>
-            <a:r>
-              <a:rPr lang="en-US" altLang="zh-CN" sz="2000" dirty="0">
-                <a:solidFill>
-                  <a:schemeClr val="tx1"/>
-                </a:solidFill>
-              </a:rPr>
-              <a:t>LoginServlet.java</a:t>
-            </a:r>
-            <a:r>
-              <a:rPr lang="zh-CN" altLang="en-US" sz="2000" dirty="0">
-                <a:solidFill>
-                  <a:schemeClr val="tx1"/>
-                </a:solidFill>
-              </a:rPr>
-              <a:t>）</a:t>
-            </a:r>
-            <a:r>
-              <a:rPr lang="en-US" altLang="zh-CN" sz="2000" dirty="0">
-                <a:solidFill>
-                  <a:schemeClr val="tx1"/>
-                </a:solidFill>
-              </a:rPr>
-              <a:t>,</a:t>
-            </a:r>
-            <a:r>
-              <a:rPr lang="zh-CN" altLang="en-US" sz="2000" dirty="0">
-                <a:solidFill>
-                  <a:schemeClr val="tx1"/>
-                </a:solidFill>
-              </a:rPr>
-              <a:t>编写登录页面程序</a:t>
-            </a:r>
-            <a:r>
-              <a:rPr lang="en-US" altLang="zh-CN" sz="2000" dirty="0">
-                <a:solidFill>
-                  <a:schemeClr val="tx1"/>
-                </a:solidFill>
-              </a:rPr>
-              <a:t>login.html</a:t>
-            </a:r>
-            <a:r>
-              <a:rPr lang="zh-CN" altLang="en-US" sz="2000" dirty="0">
-                <a:solidFill>
-                  <a:schemeClr val="tx1"/>
-                </a:solidFill>
-              </a:rPr>
-              <a:t>、登录成功页面</a:t>
-            </a:r>
-            <a:r>
-              <a:rPr lang="en-US" altLang="zh-CN" sz="2000" dirty="0" err="1">
-                <a:solidFill>
-                  <a:schemeClr val="tx1"/>
-                </a:solidFill>
-              </a:rPr>
-              <a:t>welcome.jsp</a:t>
-            </a:r>
-            <a:r>
-              <a:rPr lang="zh-CN" altLang="en-US" sz="2000" dirty="0">
-                <a:solidFill>
-                  <a:schemeClr val="tx1"/>
-                </a:solidFill>
-              </a:rPr>
-              <a:t>和登录失败页面</a:t>
-            </a:r>
-            <a:r>
-              <a:rPr lang="en-US" altLang="zh-CN" sz="2000" dirty="0" err="1">
-                <a:solidFill>
-                  <a:schemeClr val="tx1"/>
-                </a:solidFill>
-              </a:rPr>
-              <a:t>loginfail.jsp</a:t>
-            </a:r>
-            <a:endParaRPr lang="zh-CN" altLang="en-US" sz="2000" dirty="0">
-              <a:solidFill>
-                <a:schemeClr val="tx1"/>
-              </a:solidFill>
-            </a:endParaRPr>
-          </a:p>
-          <a:p>
-            <a:pPr marL="0" indent="0">
-              <a:buNone/>
-            </a:pPr>
+              <a:rPr lang="en-US" altLang="zh-CN" dirty="0"/>
+              <a:t>DEMO</a:t>
+            </a:r>
             <a:endParaRPr lang="zh-CN" altLang="en-US" dirty="0"/>
           </a:p>
         </p:txBody>
       </p:sp>
-      <p:pic>
-        <p:nvPicPr>
-          <p:cNvPr id="14338" name="图片 186"/>
-          <p:cNvPicPr>
-            <a:picLocks noChangeAspect="1" noChangeArrowheads="1"/>
-          </p:cNvPicPr>
-          <p:nvPr/>
-        </p:nvPicPr>
-        <p:blipFill>
-          <a:blip r:embed="rId2">
+      <p:graphicFrame>
+        <p:nvGraphicFramePr>
+          <p:cNvPr id="4" name="内容占位符 3">
             <a:extLst>
-              <a:ext uri="{28A0092B-C50C-407E-A947-70E740481C1C}">
-                <a14:useLocalDpi xmlns:a14="http://schemas.microsoft.com/office/drawing/2010/main" val="0"/>
+              <a:ext uri="{FF2B5EF4-FFF2-40B4-BE49-F238E27FC236}">
+                <a16:creationId xmlns:a16="http://schemas.microsoft.com/office/drawing/2014/main" id="{B8B18BB7-3F5B-4A97-AE5C-2157C1431461}"/>
               </a:ext>
             </a:extLst>
-          </a:blip>
-          <a:srcRect/>
-          <a:stretch>
-            <a:fillRect/>
-          </a:stretch>
-        </p:blipFill>
-        <p:spPr bwMode="auto">
-          <a:xfrm>
-            <a:off x="5790395" y="1439970"/>
-            <a:ext cx="3157722" cy="3075996"/>
-          </a:xfrm>
-          <a:prstGeom prst="rect">
-            <a:avLst/>
-          </a:prstGeom>
-          <a:noFill/>
-          <a:ln>
-            <a:noFill/>
-          </a:ln>
-          <a:extLst>
-            <a:ext uri="{909E8E84-426E-40DD-AFC4-6F175D3DCCD1}">
-              <a14:hiddenFill xmlns:a14="http://schemas.microsoft.com/office/drawing/2010/main">
-                <a:solidFill>
-                  <a:srgbClr val="FFFFFF"/>
-                </a:solidFill>
-              </a14:hiddenFill>
-            </a:ext>
-            <a:ext uri="{91240B29-F687-4F45-9708-019B960494DF}">
-              <a14:hiddenLine xmlns:a14="http://schemas.microsoft.com/office/drawing/2010/main" w="9525">
-                <a:solidFill>
-                  <a:srgbClr val="000000"/>
-                </a:solidFill>
-                <a:miter lim="800000"/>
-                <a:headEnd/>
-                <a:tailEnd/>
-              </a14:hiddenLine>
-            </a:ext>
-          </a:extLst>
-        </p:spPr>
-      </p:pic>
+          </p:cNvPr>
+          <p:cNvGraphicFramePr>
+            <a:graphicFrameLocks noGrp="1"/>
+          </p:cNvGraphicFramePr>
+          <p:nvPr>
+            <p:ph idx="1"/>
+            <p:extLst>
+              <p:ext uri="{D42A27DB-BD31-4B8C-83A1-F6EECF244321}">
+                <p14:modId xmlns:p14="http://schemas.microsoft.com/office/powerpoint/2010/main" val="2808432028"/>
+              </p:ext>
+            </p:extLst>
+          </p:nvPr>
+        </p:nvGraphicFramePr>
+        <p:xfrm>
+          <a:off x="457200" y="1200150"/>
+          <a:ext cx="8229600" cy="3394075"/>
+        </p:xfrm>
+        <a:graphic>
+          <a:graphicData uri="http://schemas.openxmlformats.org/drawingml/2006/diagram">
+            <dgm:relIds xmlns:dgm="http://schemas.openxmlformats.org/drawingml/2006/diagram" xmlns:r="http://schemas.openxmlformats.org/officeDocument/2006/relationships" r:dm="rId2" r:lo="rId3" r:qs="rId4" r:cs="rId5"/>
+          </a:graphicData>
+        </a:graphic>
+      </p:graphicFrame>
     </p:spTree>
     <p:extLst>
       <p:ext uri="{BB962C8B-B14F-4D97-AF65-F5344CB8AC3E}">
-        <p14:creationId xmlns:p14="http://schemas.microsoft.com/office/powerpoint/2010/main" val="1063508638"/>
+        <p14:creationId xmlns:p14="http://schemas.microsoft.com/office/powerpoint/2010/main" val="4085223231"/>
       </p:ext>
     </p:extLst>
   </p:cSld>
@@ -14893,1162 +16611,6 @@
         <p:spPr/>
         <p:txBody>
           <a:bodyPr>
-            <a:normAutofit/>
-          </a:bodyPr>
-          <a:lstStyle/>
-          <a:p>
-            <a:pPr marL="0" indent="0">
-              <a:buNone/>
-            </a:pPr>
-            <a:r>
-              <a:rPr lang="zh-CN" altLang="en-US" sz="2000" dirty="0">
-                <a:solidFill>
-                  <a:schemeClr val="tx1"/>
-                </a:solidFill>
-              </a:rPr>
-              <a:t>（</a:t>
-            </a:r>
-            <a:r>
-              <a:rPr lang="en-US" altLang="zh-CN" sz="2000" dirty="0">
-                <a:solidFill>
-                  <a:schemeClr val="tx1"/>
-                </a:solidFill>
-              </a:rPr>
-              <a:t>3</a:t>
-            </a:r>
-            <a:r>
-              <a:rPr lang="zh-CN" altLang="en-US" sz="2000" dirty="0">
-                <a:solidFill>
-                  <a:schemeClr val="tx1"/>
-                </a:solidFill>
-              </a:rPr>
-              <a:t>）</a:t>
-            </a:r>
-            <a:r>
-              <a:rPr lang="en-US" altLang="zh-CN" sz="2000" dirty="0">
-                <a:solidFill>
-                  <a:schemeClr val="tx1"/>
-                </a:solidFill>
-              </a:rPr>
-              <a:t>Servlet</a:t>
-            </a:r>
-            <a:r>
-              <a:rPr lang="zh-CN" altLang="en-US" sz="2000" dirty="0">
-                <a:solidFill>
-                  <a:schemeClr val="tx1"/>
-                </a:solidFill>
-              </a:rPr>
-              <a:t>在</a:t>
-            </a:r>
-            <a:r>
-              <a:rPr lang="en-US" altLang="zh-CN" sz="2000" dirty="0">
-                <a:solidFill>
-                  <a:schemeClr val="tx1"/>
-                </a:solidFill>
-              </a:rPr>
-              <a:t>web.xml</a:t>
-            </a:r>
-            <a:r>
-              <a:rPr lang="zh-CN" altLang="en-US" sz="2000" dirty="0">
-                <a:solidFill>
-                  <a:schemeClr val="tx1"/>
-                </a:solidFill>
-              </a:rPr>
-              <a:t>中的注册工作可由向导自动完成，不必修改。</a:t>
-            </a:r>
-          </a:p>
-          <a:p>
-            <a:pPr marL="0" indent="0">
-              <a:buNone/>
-            </a:pPr>
-            <a:r>
-              <a:rPr lang="zh-CN" altLang="en-US" sz="2000" dirty="0">
-                <a:solidFill>
-                  <a:schemeClr val="tx1"/>
-                </a:solidFill>
-              </a:rPr>
-              <a:t>（</a:t>
-            </a:r>
-            <a:r>
-              <a:rPr lang="en-US" altLang="zh-CN" sz="2000" dirty="0">
-                <a:solidFill>
-                  <a:schemeClr val="tx1"/>
-                </a:solidFill>
-              </a:rPr>
-              <a:t>4</a:t>
-            </a:r>
-            <a:r>
-              <a:rPr lang="zh-CN" altLang="en-US" sz="2000" dirty="0">
-                <a:solidFill>
-                  <a:schemeClr val="tx1"/>
-                </a:solidFill>
-              </a:rPr>
-              <a:t>）部署</a:t>
-            </a:r>
-            <a:r>
-              <a:rPr lang="en-US" altLang="zh-CN" sz="2000" dirty="0">
-                <a:solidFill>
-                  <a:schemeClr val="tx1"/>
-                </a:solidFill>
-              </a:rPr>
-              <a:t>Servlet</a:t>
-            </a:r>
-            <a:r>
-              <a:rPr lang="zh-CN" altLang="en-US" sz="2000" dirty="0">
-                <a:solidFill>
-                  <a:schemeClr val="tx1"/>
-                </a:solidFill>
-              </a:rPr>
-              <a:t>，如图所示。</a:t>
-            </a:r>
-          </a:p>
-          <a:p>
-            <a:pPr marL="0" indent="0">
-              <a:buNone/>
-            </a:pPr>
-            <a:r>
-              <a:rPr lang="zh-CN" altLang="en-US" sz="2000" dirty="0">
-                <a:solidFill>
-                  <a:schemeClr val="tx1"/>
-                </a:solidFill>
-              </a:rPr>
-              <a:t>（</a:t>
-            </a:r>
-            <a:r>
-              <a:rPr lang="en-US" altLang="zh-CN" sz="2000" dirty="0">
-                <a:solidFill>
-                  <a:schemeClr val="tx1"/>
-                </a:solidFill>
-              </a:rPr>
-              <a:t>5</a:t>
-            </a:r>
-            <a:r>
-              <a:rPr lang="zh-CN" altLang="en-US" sz="2000" dirty="0">
-                <a:solidFill>
-                  <a:schemeClr val="tx1"/>
-                </a:solidFill>
-              </a:rPr>
-              <a:t>）启动</a:t>
-            </a:r>
-            <a:r>
-              <a:rPr lang="en-US" altLang="zh-CN" sz="2000" dirty="0">
-                <a:solidFill>
-                  <a:schemeClr val="tx1"/>
-                </a:solidFill>
-              </a:rPr>
-              <a:t>tomcat</a:t>
-            </a:r>
-            <a:r>
-              <a:rPr lang="zh-CN" altLang="en-US" sz="2000" dirty="0">
-                <a:solidFill>
-                  <a:schemeClr val="tx1"/>
-                </a:solidFill>
-              </a:rPr>
-              <a:t>服务器。</a:t>
-            </a:r>
-          </a:p>
-          <a:p>
-            <a:pPr marL="0" indent="0">
-              <a:buNone/>
-            </a:pPr>
-            <a:endParaRPr lang="zh-CN" altLang="en-US" sz="2000" dirty="0"/>
-          </a:p>
-          <a:p>
-            <a:pPr marL="0" indent="0">
-              <a:buNone/>
-            </a:pPr>
-            <a:endParaRPr lang="zh-CN" altLang="en-US" dirty="0"/>
-          </a:p>
-        </p:txBody>
-      </p:sp>
-      <p:pic>
-        <p:nvPicPr>
-          <p:cNvPr id="15362" name="图片 187"/>
-          <p:cNvPicPr>
-            <a:picLocks noChangeAspect="1" noChangeArrowheads="1"/>
-          </p:cNvPicPr>
-          <p:nvPr/>
-        </p:nvPicPr>
-        <p:blipFill>
-          <a:blip r:embed="rId2">
-            <a:extLst>
-              <a:ext uri="{28A0092B-C50C-407E-A947-70E740481C1C}">
-                <a14:useLocalDpi xmlns:a14="http://schemas.microsoft.com/office/drawing/2010/main" val="0"/>
-              </a:ext>
-            </a:extLst>
-          </a:blip>
-          <a:srcRect/>
-          <a:stretch>
-            <a:fillRect/>
-          </a:stretch>
-        </p:blipFill>
-        <p:spPr bwMode="auto">
-          <a:xfrm>
-            <a:off x="4427984" y="1606178"/>
-            <a:ext cx="3517900" cy="635000"/>
-          </a:xfrm>
-          <a:prstGeom prst="rect">
-            <a:avLst/>
-          </a:prstGeom>
-          <a:noFill/>
-          <a:ln>
-            <a:noFill/>
-          </a:ln>
-          <a:extLst>
-            <a:ext uri="{909E8E84-426E-40DD-AFC4-6F175D3DCCD1}">
-              <a14:hiddenFill xmlns:a14="http://schemas.microsoft.com/office/drawing/2010/main">
-                <a:solidFill>
-                  <a:srgbClr val="FFFFFF"/>
-                </a:solidFill>
-              </a14:hiddenFill>
-            </a:ext>
-            <a:ext uri="{91240B29-F687-4F45-9708-019B960494DF}">
-              <a14:hiddenLine xmlns:a14="http://schemas.microsoft.com/office/drawing/2010/main" w="9525">
-                <a:solidFill>
-                  <a:srgbClr val="000000"/>
-                </a:solidFill>
-                <a:miter lim="800000"/>
-                <a:headEnd/>
-                <a:tailEnd/>
-              </a14:hiddenLine>
-            </a:ext>
-          </a:extLst>
-        </p:spPr>
-      </p:pic>
-      <p:pic>
-        <p:nvPicPr>
-          <p:cNvPr id="15363" name="图片 188"/>
-          <p:cNvPicPr>
-            <a:picLocks noChangeAspect="1" noChangeArrowheads="1"/>
-          </p:cNvPicPr>
-          <p:nvPr/>
-        </p:nvPicPr>
-        <p:blipFill>
-          <a:blip r:embed="rId3">
-            <a:extLst>
-              <a:ext uri="{28A0092B-C50C-407E-A947-70E740481C1C}">
-                <a14:useLocalDpi xmlns:a14="http://schemas.microsoft.com/office/drawing/2010/main" val="0"/>
-              </a:ext>
-            </a:extLst>
-          </a:blip>
-          <a:srcRect/>
-          <a:stretch>
-            <a:fillRect/>
-          </a:stretch>
-        </p:blipFill>
-        <p:spPr bwMode="auto">
-          <a:xfrm>
-            <a:off x="4467845" y="2499742"/>
-            <a:ext cx="3502025" cy="2290762"/>
-          </a:xfrm>
-          <a:prstGeom prst="rect">
-            <a:avLst/>
-          </a:prstGeom>
-          <a:noFill/>
-          <a:ln>
-            <a:noFill/>
-          </a:ln>
-          <a:extLst>
-            <a:ext uri="{909E8E84-426E-40DD-AFC4-6F175D3DCCD1}">
-              <a14:hiddenFill xmlns:a14="http://schemas.microsoft.com/office/drawing/2010/main">
-                <a:solidFill>
-                  <a:srgbClr val="FFFFFF"/>
-                </a:solidFill>
-              </a14:hiddenFill>
-            </a:ext>
-            <a:ext uri="{91240B29-F687-4F45-9708-019B960494DF}">
-              <a14:hiddenLine xmlns:a14="http://schemas.microsoft.com/office/drawing/2010/main" w="9525">
-                <a:solidFill>
-                  <a:srgbClr val="000000"/>
-                </a:solidFill>
-                <a:miter lim="800000"/>
-                <a:headEnd/>
-                <a:tailEnd/>
-              </a14:hiddenLine>
-            </a:ext>
-          </a:extLst>
-        </p:spPr>
-      </p:pic>
-      <p:pic>
-        <p:nvPicPr>
-          <p:cNvPr id="15364" name="图片 189"/>
-          <p:cNvPicPr>
-            <a:picLocks noChangeAspect="1" noChangeArrowheads="1"/>
-          </p:cNvPicPr>
-          <p:nvPr/>
-        </p:nvPicPr>
-        <p:blipFill>
-          <a:blip r:embed="rId4">
-            <a:extLst>
-              <a:ext uri="{28A0092B-C50C-407E-A947-70E740481C1C}">
-                <a14:useLocalDpi xmlns:a14="http://schemas.microsoft.com/office/drawing/2010/main" val="0"/>
-              </a:ext>
-            </a:extLst>
-          </a:blip>
-          <a:srcRect/>
-          <a:stretch>
-            <a:fillRect/>
-          </a:stretch>
-        </p:blipFill>
-        <p:spPr bwMode="auto">
-          <a:xfrm>
-            <a:off x="827584" y="2859782"/>
-            <a:ext cx="3443287" cy="922338"/>
-          </a:xfrm>
-          <a:prstGeom prst="rect">
-            <a:avLst/>
-          </a:prstGeom>
-          <a:noFill/>
-          <a:ln>
-            <a:noFill/>
-          </a:ln>
-          <a:extLst>
-            <a:ext uri="{909E8E84-426E-40DD-AFC4-6F175D3DCCD1}">
-              <a14:hiddenFill xmlns:a14="http://schemas.microsoft.com/office/drawing/2010/main">
-                <a:solidFill>
-                  <a:srgbClr val="FFFFFF"/>
-                </a:solidFill>
-              </a14:hiddenFill>
-            </a:ext>
-            <a:ext uri="{91240B29-F687-4F45-9708-019B960494DF}">
-              <a14:hiddenLine xmlns:a14="http://schemas.microsoft.com/office/drawing/2010/main" w="9525">
-                <a:solidFill>
-                  <a:srgbClr val="000000"/>
-                </a:solidFill>
-                <a:miter lim="800000"/>
-                <a:headEnd/>
-                <a:tailEnd/>
-              </a14:hiddenLine>
-            </a:ext>
-          </a:extLst>
-        </p:spPr>
-      </p:pic>
-    </p:spTree>
-    <p:extLst>
-      <p:ext uri="{BB962C8B-B14F-4D97-AF65-F5344CB8AC3E}">
-        <p14:creationId xmlns:p14="http://schemas.microsoft.com/office/powerpoint/2010/main" val="2162367"/>
-      </p:ext>
-    </p:extLst>
-  </p:cSld>
-  <p:clrMapOvr>
-    <a:masterClrMapping/>
-  </p:clrMapOvr>
-</p:sld>
-</file>
-
-<file path=ppt/slides/slide14.xml><?xml version="1.0" encoding="utf-8"?>
-<p:sld xmlns:a="http://schemas.openxmlformats.org/drawingml/2006/main" xmlns:r="http://schemas.openxmlformats.org/officeDocument/2006/relationships" xmlns:p="http://schemas.openxmlformats.org/presentationml/2006/main">
-  <p:cSld>
-    <p:spTree>
-      <p:nvGrpSpPr>
-        <p:cNvPr id="1" name=""/>
-        <p:cNvGrpSpPr/>
-        <p:nvPr/>
-      </p:nvGrpSpPr>
-      <p:grpSpPr>
-        <a:xfrm>
-          <a:off x="0" y="0"/>
-          <a:ext cx="0" cy="0"/>
-          <a:chOff x="0" y="0"/>
-          <a:chExt cx="0" cy="0"/>
-        </a:xfrm>
-      </p:grpSpPr>
-      <p:sp>
-        <p:nvSpPr>
-          <p:cNvPr id="2" name="标题 1"/>
-          <p:cNvSpPr>
-            <a:spLocks noGrp="1"/>
-          </p:cNvSpPr>
-          <p:nvPr>
-            <p:ph type="title"/>
-          </p:nvPr>
-        </p:nvSpPr>
-        <p:spPr/>
-        <p:txBody>
-          <a:bodyPr/>
-          <a:lstStyle/>
-          <a:p>
-            <a:r>
-              <a:rPr lang="en-US" altLang="zh-CN" sz="4800" dirty="0"/>
-              <a:t>7.3  Servlet</a:t>
-            </a:r>
-            <a:r>
-              <a:rPr lang="zh-CN" altLang="en-US" sz="4800" dirty="0"/>
-              <a:t>的开发实例</a:t>
-            </a:r>
-          </a:p>
-        </p:txBody>
-      </p:sp>
-      <p:sp>
-        <p:nvSpPr>
-          <p:cNvPr id="3" name="内容占位符 2"/>
-          <p:cNvSpPr>
-            <a:spLocks noGrp="1"/>
-          </p:cNvSpPr>
-          <p:nvPr>
-            <p:ph idx="1"/>
-          </p:nvPr>
-        </p:nvSpPr>
-        <p:spPr>
-          <a:xfrm>
-            <a:off x="467544" y="1059582"/>
-            <a:ext cx="8676456" cy="3394472"/>
-          </a:xfrm>
-        </p:spPr>
-        <p:txBody>
-          <a:bodyPr>
-            <a:normAutofit/>
-          </a:bodyPr>
-          <a:lstStyle/>
-          <a:p>
-            <a:pPr marL="0" indent="0">
-              <a:buNone/>
-            </a:pPr>
-            <a:r>
-              <a:rPr lang="zh-CN" altLang="en-US" sz="2800" b="1" dirty="0">
-                <a:solidFill>
-                  <a:schemeClr val="tx2"/>
-                </a:solidFill>
-                <a:latin typeface="+mn-ea"/>
-              </a:rPr>
-              <a:t>测试</a:t>
-            </a:r>
-            <a:r>
-              <a:rPr lang="en-US" altLang="zh-CN" sz="2800" b="1" dirty="0">
-                <a:solidFill>
-                  <a:schemeClr val="tx2"/>
-                </a:solidFill>
-                <a:latin typeface="+mn-ea"/>
-              </a:rPr>
-              <a:t>Servlet</a:t>
-            </a:r>
-          </a:p>
-          <a:p>
-            <a:pPr marL="0" indent="0">
-              <a:buNone/>
-            </a:pPr>
-            <a:r>
-              <a:rPr lang="en-US" altLang="zh-CN" sz="1600" dirty="0"/>
-              <a:t> </a:t>
-            </a:r>
-            <a:r>
-              <a:rPr lang="zh-CN" altLang="en-US" sz="2200" dirty="0">
-                <a:solidFill>
-                  <a:schemeClr val="tx1"/>
-                </a:solidFill>
-                <a:latin typeface="Times New Roman" pitchFamily="18" charset="0"/>
-                <a:cs typeface="Times New Roman" pitchFamily="18" charset="0"/>
-              </a:rPr>
-              <a:t>启动浏览器，访问</a:t>
-            </a:r>
-            <a:r>
-              <a:rPr lang="en-US" altLang="zh-CN" sz="2200" dirty="0">
-                <a:solidFill>
-                  <a:schemeClr val="tx1"/>
-                </a:solidFill>
-                <a:latin typeface="Times New Roman" pitchFamily="18" charset="0"/>
-                <a:cs typeface="Times New Roman" pitchFamily="18" charset="0"/>
-              </a:rPr>
-              <a:t>: http://localhost:8080/Chapter7/login.html </a:t>
-            </a:r>
-          </a:p>
-          <a:p>
-            <a:pPr marL="0" indent="0">
-              <a:buNone/>
-            </a:pPr>
-            <a:endParaRPr lang="zh-CN" altLang="en-US" sz="2000" dirty="0"/>
-          </a:p>
-          <a:p>
-            <a:pPr marL="0" indent="0">
-              <a:buNone/>
-            </a:pPr>
-            <a:endParaRPr lang="zh-CN" altLang="en-US" dirty="0"/>
-          </a:p>
-        </p:txBody>
-      </p:sp>
-      <p:pic>
-        <p:nvPicPr>
-          <p:cNvPr id="16386" name="图片 190"/>
-          <p:cNvPicPr>
-            <a:picLocks noChangeAspect="1" noChangeArrowheads="1"/>
-          </p:cNvPicPr>
-          <p:nvPr/>
-        </p:nvPicPr>
-        <p:blipFill>
-          <a:blip r:embed="rId2">
-            <a:extLst>
-              <a:ext uri="{28A0092B-C50C-407E-A947-70E740481C1C}">
-                <a14:useLocalDpi xmlns:a14="http://schemas.microsoft.com/office/drawing/2010/main" val="0"/>
-              </a:ext>
-            </a:extLst>
-          </a:blip>
-          <a:srcRect/>
-          <a:stretch>
-            <a:fillRect/>
-          </a:stretch>
-        </p:blipFill>
-        <p:spPr bwMode="auto">
-          <a:xfrm>
-            <a:off x="467544" y="2067694"/>
-            <a:ext cx="3485356" cy="2425022"/>
-          </a:xfrm>
-          <a:prstGeom prst="rect">
-            <a:avLst/>
-          </a:prstGeom>
-          <a:noFill/>
-          <a:ln>
-            <a:noFill/>
-          </a:ln>
-          <a:extLst>
-            <a:ext uri="{909E8E84-426E-40DD-AFC4-6F175D3DCCD1}">
-              <a14:hiddenFill xmlns:a14="http://schemas.microsoft.com/office/drawing/2010/main">
-                <a:solidFill>
-                  <a:srgbClr val="FFFFFF"/>
-                </a:solidFill>
-              </a14:hiddenFill>
-            </a:ext>
-            <a:ext uri="{91240B29-F687-4F45-9708-019B960494DF}">
-              <a14:hiddenLine xmlns:a14="http://schemas.microsoft.com/office/drawing/2010/main" w="9525">
-                <a:solidFill>
-                  <a:srgbClr val="000000"/>
-                </a:solidFill>
-                <a:miter lim="800000"/>
-                <a:headEnd/>
-                <a:tailEnd/>
-              </a14:hiddenLine>
-            </a:ext>
-          </a:extLst>
-        </p:spPr>
-      </p:pic>
-      <p:pic>
-        <p:nvPicPr>
-          <p:cNvPr id="16387" name="图片 191"/>
-          <p:cNvPicPr>
-            <a:picLocks noChangeAspect="1" noChangeArrowheads="1"/>
-          </p:cNvPicPr>
-          <p:nvPr/>
-        </p:nvPicPr>
-        <p:blipFill>
-          <a:blip r:embed="rId3" cstate="print">
-            <a:extLst>
-              <a:ext uri="{28A0092B-C50C-407E-A947-70E740481C1C}">
-                <a14:useLocalDpi xmlns:a14="http://schemas.microsoft.com/office/drawing/2010/main" val="0"/>
-              </a:ext>
-            </a:extLst>
-          </a:blip>
-          <a:srcRect/>
-          <a:stretch>
-            <a:fillRect/>
-          </a:stretch>
-        </p:blipFill>
-        <p:spPr bwMode="auto">
-          <a:xfrm>
-            <a:off x="4427984" y="2049760"/>
-            <a:ext cx="2887544" cy="1098054"/>
-          </a:xfrm>
-          <a:prstGeom prst="rect">
-            <a:avLst/>
-          </a:prstGeom>
-          <a:noFill/>
-          <a:ln>
-            <a:noFill/>
-          </a:ln>
-          <a:extLst>
-            <a:ext uri="{909E8E84-426E-40DD-AFC4-6F175D3DCCD1}">
-              <a14:hiddenFill xmlns:a14="http://schemas.microsoft.com/office/drawing/2010/main">
-                <a:solidFill>
-                  <a:srgbClr val="FFFFFF"/>
-                </a:solidFill>
-              </a14:hiddenFill>
-            </a:ext>
-            <a:ext uri="{91240B29-F687-4F45-9708-019B960494DF}">
-              <a14:hiddenLine xmlns:a14="http://schemas.microsoft.com/office/drawing/2010/main" w="9525">
-                <a:solidFill>
-                  <a:srgbClr val="000000"/>
-                </a:solidFill>
-                <a:miter lim="800000"/>
-                <a:headEnd/>
-                <a:tailEnd/>
-              </a14:hiddenLine>
-            </a:ext>
-          </a:extLst>
-        </p:spPr>
-      </p:pic>
-      <p:pic>
-        <p:nvPicPr>
-          <p:cNvPr id="16388" name="图片 192"/>
-          <p:cNvPicPr>
-            <a:picLocks noChangeAspect="1" noChangeArrowheads="1"/>
-          </p:cNvPicPr>
-          <p:nvPr/>
-        </p:nvPicPr>
-        <p:blipFill>
-          <a:blip r:embed="rId4">
-            <a:extLst>
-              <a:ext uri="{28A0092B-C50C-407E-A947-70E740481C1C}">
-                <a14:useLocalDpi xmlns:a14="http://schemas.microsoft.com/office/drawing/2010/main" val="0"/>
-              </a:ext>
-            </a:extLst>
-          </a:blip>
-          <a:srcRect/>
-          <a:stretch>
-            <a:fillRect/>
-          </a:stretch>
-        </p:blipFill>
-        <p:spPr bwMode="auto">
-          <a:xfrm>
-            <a:off x="4427984" y="3370677"/>
-            <a:ext cx="2901118" cy="1123924"/>
-          </a:xfrm>
-          <a:prstGeom prst="rect">
-            <a:avLst/>
-          </a:prstGeom>
-          <a:noFill/>
-          <a:ln>
-            <a:noFill/>
-          </a:ln>
-          <a:extLst>
-            <a:ext uri="{909E8E84-426E-40DD-AFC4-6F175D3DCCD1}">
-              <a14:hiddenFill xmlns:a14="http://schemas.microsoft.com/office/drawing/2010/main">
-                <a:solidFill>
-                  <a:srgbClr val="FFFFFF"/>
-                </a:solidFill>
-              </a14:hiddenFill>
-            </a:ext>
-            <a:ext uri="{91240B29-F687-4F45-9708-019B960494DF}">
-              <a14:hiddenLine xmlns:a14="http://schemas.microsoft.com/office/drawing/2010/main" w="9525">
-                <a:solidFill>
-                  <a:srgbClr val="000000"/>
-                </a:solidFill>
-                <a:miter lim="800000"/>
-                <a:headEnd/>
-                <a:tailEnd/>
-              </a14:hiddenLine>
-            </a:ext>
-          </a:extLst>
-        </p:spPr>
-      </p:pic>
-    </p:spTree>
-    <p:extLst>
-      <p:ext uri="{BB962C8B-B14F-4D97-AF65-F5344CB8AC3E}">
-        <p14:creationId xmlns:p14="http://schemas.microsoft.com/office/powerpoint/2010/main" val="2162367"/>
-      </p:ext>
-    </p:extLst>
-  </p:cSld>
-  <p:clrMapOvr>
-    <a:masterClrMapping/>
-  </p:clrMapOvr>
-</p:sld>
-</file>
-
-<file path=ppt/slides/slide15.xml><?xml version="1.0" encoding="utf-8"?>
-<p:sld xmlns:a="http://schemas.openxmlformats.org/drawingml/2006/main" xmlns:r="http://schemas.openxmlformats.org/officeDocument/2006/relationships" xmlns:p="http://schemas.openxmlformats.org/presentationml/2006/main">
-  <p:cSld>
-    <p:spTree>
-      <p:nvGrpSpPr>
-        <p:cNvPr id="1" name=""/>
-        <p:cNvGrpSpPr/>
-        <p:nvPr/>
-      </p:nvGrpSpPr>
-      <p:grpSpPr>
-        <a:xfrm>
-          <a:off x="0" y="0"/>
-          <a:ext cx="0" cy="0"/>
-          <a:chOff x="0" y="0"/>
-          <a:chExt cx="0" cy="0"/>
-        </a:xfrm>
-      </p:grpSpPr>
-      <p:sp>
-        <p:nvSpPr>
-          <p:cNvPr id="2" name="标题 1"/>
-          <p:cNvSpPr>
-            <a:spLocks noGrp="1"/>
-          </p:cNvSpPr>
-          <p:nvPr>
-            <p:ph type="title"/>
-          </p:nvPr>
-        </p:nvSpPr>
-        <p:spPr>
-          <a:xfrm>
-            <a:off x="457200" y="-236562"/>
-            <a:ext cx="8229600" cy="1200150"/>
-          </a:xfrm>
-        </p:spPr>
-        <p:txBody>
-          <a:bodyPr/>
-          <a:lstStyle/>
-          <a:p>
-            <a:r>
-              <a:rPr lang="en-US" altLang="zh-CN" sz="4800" dirty="0"/>
-              <a:t>7.3  Servlet</a:t>
-            </a:r>
-            <a:r>
-              <a:rPr lang="zh-CN" altLang="en-US" sz="4800" dirty="0"/>
-              <a:t>的开发实例</a:t>
-            </a:r>
-          </a:p>
-        </p:txBody>
-      </p:sp>
-      <p:sp>
-        <p:nvSpPr>
-          <p:cNvPr id="3" name="内容占位符 2"/>
-          <p:cNvSpPr>
-            <a:spLocks noGrp="1"/>
-          </p:cNvSpPr>
-          <p:nvPr>
-            <p:ph idx="1"/>
-          </p:nvPr>
-        </p:nvSpPr>
-        <p:spPr>
-          <a:xfrm>
-            <a:off x="107504" y="843558"/>
-            <a:ext cx="8229600" cy="3394472"/>
-          </a:xfrm>
-        </p:spPr>
-        <p:txBody>
-          <a:bodyPr>
-            <a:normAutofit/>
-          </a:bodyPr>
-          <a:lstStyle/>
-          <a:p>
-            <a:pPr marL="0" indent="0">
-              <a:buNone/>
-            </a:pPr>
-            <a:r>
-              <a:rPr lang="en-US" altLang="zh-CN" sz="2800" b="1" dirty="0">
-                <a:solidFill>
-                  <a:schemeClr val="tx2"/>
-                </a:solidFill>
-                <a:latin typeface="+mn-ea"/>
-              </a:rPr>
-              <a:t>Servlet</a:t>
-            </a:r>
-            <a:r>
-              <a:rPr lang="zh-CN" altLang="en-US" sz="2800" b="1" dirty="0">
-                <a:solidFill>
-                  <a:schemeClr val="tx2"/>
-                </a:solidFill>
-                <a:latin typeface="+mn-ea"/>
-              </a:rPr>
-              <a:t>初始化参数</a:t>
-            </a:r>
-          </a:p>
-          <a:p>
-            <a:pPr marL="0" indent="0">
-              <a:buNone/>
-            </a:pPr>
-            <a:r>
-              <a:rPr lang="zh-CN" altLang="en-US" sz="2000" dirty="0">
-                <a:solidFill>
-                  <a:schemeClr val="tx1"/>
-                </a:solidFill>
-              </a:rPr>
-              <a:t>   对于经常发生变化的值不适宜在</a:t>
-            </a:r>
-            <a:r>
-              <a:rPr lang="en-US" altLang="zh-CN" sz="2000" dirty="0">
-                <a:solidFill>
-                  <a:schemeClr val="tx1"/>
-                </a:solidFill>
-              </a:rPr>
-              <a:t>Servlet</a:t>
-            </a:r>
-            <a:r>
-              <a:rPr lang="zh-CN" altLang="en-US" sz="2000" dirty="0">
-                <a:solidFill>
-                  <a:schemeClr val="tx1"/>
-                </a:solidFill>
-              </a:rPr>
-              <a:t>类中硬编码写入，可以将其作为</a:t>
-            </a:r>
-            <a:r>
-              <a:rPr lang="en-US" altLang="zh-CN" sz="2000" dirty="0">
-                <a:solidFill>
-                  <a:schemeClr val="tx1"/>
-                </a:solidFill>
-              </a:rPr>
-              <a:t>Servlet</a:t>
-            </a:r>
-            <a:r>
-              <a:rPr lang="zh-CN" altLang="en-US" sz="2000" dirty="0">
-                <a:solidFill>
-                  <a:schemeClr val="tx1"/>
-                </a:solidFill>
-              </a:rPr>
-              <a:t>的初始化参数写到</a:t>
-            </a:r>
-            <a:r>
-              <a:rPr lang="en-US" altLang="zh-CN" sz="2000" dirty="0">
-                <a:solidFill>
-                  <a:schemeClr val="tx1"/>
-                </a:solidFill>
-              </a:rPr>
-              <a:t>web.xml</a:t>
-            </a:r>
-            <a:r>
-              <a:rPr lang="zh-CN" altLang="en-US" sz="2000" dirty="0">
-                <a:solidFill>
-                  <a:schemeClr val="tx1"/>
-                </a:solidFill>
-              </a:rPr>
-              <a:t>文档中。</a:t>
-            </a:r>
-            <a:endParaRPr lang="en-US" altLang="zh-CN" sz="2000" dirty="0">
-              <a:solidFill>
-                <a:schemeClr val="tx1"/>
-              </a:solidFill>
-            </a:endParaRPr>
-          </a:p>
-          <a:p>
-            <a:pPr marL="0" indent="0">
-              <a:buNone/>
-            </a:pPr>
-            <a:r>
-              <a:rPr lang="zh-CN" altLang="en-US" sz="2000" dirty="0">
-                <a:solidFill>
-                  <a:schemeClr val="tx1"/>
-                </a:solidFill>
-              </a:rPr>
-              <a:t>  </a:t>
-            </a:r>
-            <a:r>
-              <a:rPr lang="en-US" altLang="zh-CN" sz="2000" dirty="0">
-                <a:solidFill>
-                  <a:schemeClr val="tx1"/>
-                </a:solidFill>
-              </a:rPr>
-              <a:t>Servlet</a:t>
-            </a:r>
-            <a:r>
-              <a:rPr lang="zh-CN" altLang="en-US" sz="2000" dirty="0">
-                <a:solidFill>
-                  <a:schemeClr val="tx1"/>
-                </a:solidFill>
-              </a:rPr>
-              <a:t>初始化参数的创建和使用步骤如下：</a:t>
-            </a:r>
-          </a:p>
-          <a:p>
-            <a:pPr marL="0" indent="0">
-              <a:buNone/>
-            </a:pPr>
-            <a:r>
-              <a:rPr lang="zh-CN" altLang="en-US" sz="2000" dirty="0">
-                <a:solidFill>
-                  <a:schemeClr val="tx1"/>
-                </a:solidFill>
-              </a:rPr>
-              <a:t>（</a:t>
-            </a:r>
-            <a:r>
-              <a:rPr lang="en-US" altLang="zh-CN" sz="2000" dirty="0">
-                <a:solidFill>
-                  <a:schemeClr val="tx1"/>
-                </a:solidFill>
-              </a:rPr>
-              <a:t>1</a:t>
-            </a:r>
-            <a:r>
-              <a:rPr lang="zh-CN" altLang="en-US" sz="2000" dirty="0">
-                <a:solidFill>
-                  <a:schemeClr val="tx1"/>
-                </a:solidFill>
-              </a:rPr>
-              <a:t>）在</a:t>
-            </a:r>
-            <a:r>
-              <a:rPr lang="en-US" altLang="zh-CN" sz="2000" dirty="0">
-                <a:solidFill>
-                  <a:schemeClr val="tx1"/>
-                </a:solidFill>
-              </a:rPr>
-              <a:t>web.xml</a:t>
-            </a:r>
-            <a:r>
-              <a:rPr lang="zh-CN" altLang="en-US" sz="2000" dirty="0">
-                <a:solidFill>
-                  <a:schemeClr val="tx1"/>
-                </a:solidFill>
-              </a:rPr>
-              <a:t>中配置</a:t>
-            </a:r>
-            <a:r>
-              <a:rPr lang="en-US" altLang="zh-CN" sz="2000" dirty="0">
-                <a:solidFill>
-                  <a:schemeClr val="tx1"/>
-                </a:solidFill>
-              </a:rPr>
-              <a:t>Servlet</a:t>
-            </a:r>
-            <a:r>
-              <a:rPr lang="zh-CN" altLang="en-US" sz="2000" dirty="0">
-                <a:solidFill>
-                  <a:schemeClr val="tx1"/>
-                </a:solidFill>
-              </a:rPr>
-              <a:t>的初始化参数</a:t>
-            </a:r>
-          </a:p>
-          <a:p>
-            <a:pPr marL="0" indent="0">
-              <a:buNone/>
-            </a:pPr>
-            <a:r>
-              <a:rPr lang="zh-CN" altLang="en-US" sz="2000" dirty="0">
-                <a:solidFill>
-                  <a:schemeClr val="tx1"/>
-                </a:solidFill>
-              </a:rPr>
-              <a:t>（</a:t>
-            </a:r>
-            <a:r>
-              <a:rPr lang="en-US" altLang="zh-CN" sz="2000" dirty="0">
-                <a:solidFill>
-                  <a:schemeClr val="tx1"/>
-                </a:solidFill>
-              </a:rPr>
-              <a:t>2</a:t>
-            </a:r>
-            <a:r>
-              <a:rPr lang="zh-CN" altLang="en-US" sz="2000" dirty="0">
-                <a:solidFill>
-                  <a:schemeClr val="tx1"/>
-                </a:solidFill>
-              </a:rPr>
-              <a:t>）在</a:t>
-            </a:r>
-            <a:r>
-              <a:rPr lang="en-US" altLang="zh-CN" sz="2000" dirty="0">
-                <a:solidFill>
-                  <a:schemeClr val="tx1"/>
-                </a:solidFill>
-              </a:rPr>
-              <a:t>Servlet</a:t>
-            </a:r>
-            <a:r>
-              <a:rPr lang="zh-CN" altLang="en-US" sz="2000" dirty="0">
-                <a:solidFill>
-                  <a:schemeClr val="tx1"/>
-                </a:solidFill>
-              </a:rPr>
-              <a:t>中使用初始化参数</a:t>
-            </a:r>
-            <a:endParaRPr lang="en-US" altLang="zh-CN" sz="2000" dirty="0">
-              <a:solidFill>
-                <a:schemeClr val="tx1"/>
-              </a:solidFill>
-            </a:endParaRPr>
-          </a:p>
-          <a:p>
-            <a:pPr marL="0" indent="0">
-              <a:buNone/>
-            </a:pPr>
-            <a:r>
-              <a:rPr lang="zh-CN" altLang="en-US" sz="2000" dirty="0">
-                <a:solidFill>
-                  <a:schemeClr val="tx1"/>
-                </a:solidFill>
-              </a:rPr>
-              <a:t>（</a:t>
-            </a:r>
-            <a:r>
-              <a:rPr lang="en-US" altLang="zh-CN" sz="2000" dirty="0">
-                <a:solidFill>
-                  <a:schemeClr val="tx1"/>
-                </a:solidFill>
-              </a:rPr>
-              <a:t>3</a:t>
-            </a:r>
-            <a:r>
-              <a:rPr lang="zh-CN" altLang="en-US" sz="2000" dirty="0">
-                <a:solidFill>
-                  <a:schemeClr val="tx1"/>
-                </a:solidFill>
-              </a:rPr>
-              <a:t>）在浏览器中运行该</a:t>
-            </a:r>
-            <a:r>
-              <a:rPr lang="en-US" altLang="zh-CN" sz="2000" dirty="0">
-                <a:solidFill>
-                  <a:schemeClr val="tx1"/>
-                </a:solidFill>
-              </a:rPr>
-              <a:t>Servlet(</a:t>
-            </a:r>
-            <a:r>
-              <a:rPr lang="en-US" altLang="zh-CN" sz="2000" dirty="0" err="1">
-                <a:solidFill>
-                  <a:schemeClr val="tx1"/>
-                </a:solidFill>
-              </a:rPr>
-              <a:t>Test_Init_Param</a:t>
-            </a:r>
-            <a:r>
-              <a:rPr lang="en-US" altLang="zh-CN" sz="2000" dirty="0">
-                <a:solidFill>
-                  <a:schemeClr val="tx1"/>
-                </a:solidFill>
-              </a:rPr>
-              <a:t>)</a:t>
-            </a:r>
-            <a:r>
-              <a:rPr lang="zh-CN" altLang="en-US" sz="2000" dirty="0">
-                <a:solidFill>
-                  <a:schemeClr val="tx1"/>
-                </a:solidFill>
-              </a:rPr>
-              <a:t>，</a:t>
-            </a:r>
-            <a:endParaRPr lang="en-US" altLang="zh-CN" sz="2000" dirty="0">
-              <a:solidFill>
-                <a:schemeClr val="tx1"/>
-              </a:solidFill>
-            </a:endParaRPr>
-          </a:p>
-          <a:p>
-            <a:pPr marL="0" indent="0">
-              <a:buNone/>
-            </a:pPr>
-            <a:r>
-              <a:rPr lang="zh-CN" altLang="en-US" sz="2000" dirty="0">
-                <a:solidFill>
-                  <a:schemeClr val="tx1"/>
-                </a:solidFill>
-              </a:rPr>
-              <a:t>结果如图所示</a:t>
-            </a:r>
-          </a:p>
-          <a:p>
-            <a:pPr marL="0" indent="0">
-              <a:buNone/>
-            </a:pPr>
-            <a:endParaRPr lang="zh-CN" altLang="en-US" dirty="0"/>
-          </a:p>
-        </p:txBody>
-      </p:sp>
-      <p:pic>
-        <p:nvPicPr>
-          <p:cNvPr id="17410" name="图片 193"/>
-          <p:cNvPicPr>
-            <a:picLocks noChangeAspect="1" noChangeArrowheads="1"/>
-          </p:cNvPicPr>
-          <p:nvPr/>
-        </p:nvPicPr>
-        <p:blipFill>
-          <a:blip r:embed="rId2">
-            <a:extLst>
-              <a:ext uri="{28A0092B-C50C-407E-A947-70E740481C1C}">
-                <a14:useLocalDpi xmlns:a14="http://schemas.microsoft.com/office/drawing/2010/main" val="0"/>
-              </a:ext>
-            </a:extLst>
-          </a:blip>
-          <a:srcRect/>
-          <a:stretch>
-            <a:fillRect/>
-          </a:stretch>
-        </p:blipFill>
-        <p:spPr bwMode="auto">
-          <a:xfrm>
-            <a:off x="5220072" y="3478213"/>
-            <a:ext cx="3708400" cy="1665287"/>
-          </a:xfrm>
-          <a:prstGeom prst="rect">
-            <a:avLst/>
-          </a:prstGeom>
-          <a:noFill/>
-          <a:ln>
-            <a:noFill/>
-          </a:ln>
-          <a:extLst>
-            <a:ext uri="{909E8E84-426E-40DD-AFC4-6F175D3DCCD1}">
-              <a14:hiddenFill xmlns:a14="http://schemas.microsoft.com/office/drawing/2010/main">
-                <a:solidFill>
-                  <a:srgbClr val="FFFFFF"/>
-                </a:solidFill>
-              </a14:hiddenFill>
-            </a:ext>
-            <a:ext uri="{91240B29-F687-4F45-9708-019B960494DF}">
-              <a14:hiddenLine xmlns:a14="http://schemas.microsoft.com/office/drawing/2010/main" w="9525">
-                <a:solidFill>
-                  <a:srgbClr val="000000"/>
-                </a:solidFill>
-                <a:miter lim="800000"/>
-                <a:headEnd/>
-                <a:tailEnd/>
-              </a14:hiddenLine>
-            </a:ext>
-          </a:extLst>
-        </p:spPr>
-      </p:pic>
-    </p:spTree>
-    <p:extLst>
-      <p:ext uri="{BB962C8B-B14F-4D97-AF65-F5344CB8AC3E}">
-        <p14:creationId xmlns:p14="http://schemas.microsoft.com/office/powerpoint/2010/main" val="2162367"/>
-      </p:ext>
-    </p:extLst>
-  </p:cSld>
-  <p:clrMapOvr>
-    <a:masterClrMapping/>
-  </p:clrMapOvr>
-</p:sld>
-</file>
-
-<file path=ppt/slides/slide16.xml><?xml version="1.0" encoding="utf-8"?>
-<p:sld xmlns:a="http://schemas.openxmlformats.org/drawingml/2006/main" xmlns:r="http://schemas.openxmlformats.org/officeDocument/2006/relationships" xmlns:p="http://schemas.openxmlformats.org/presentationml/2006/main">
-  <p:cSld>
-    <p:spTree>
-      <p:nvGrpSpPr>
-        <p:cNvPr id="1" name=""/>
-        <p:cNvGrpSpPr/>
-        <p:nvPr/>
-      </p:nvGrpSpPr>
-      <p:grpSpPr>
-        <a:xfrm>
-          <a:off x="0" y="0"/>
-          <a:ext cx="0" cy="0"/>
-          <a:chOff x="0" y="0"/>
-          <a:chExt cx="0" cy="0"/>
-        </a:xfrm>
-      </p:grpSpPr>
-      <p:sp>
-        <p:nvSpPr>
-          <p:cNvPr id="2" name="标题 1"/>
-          <p:cNvSpPr>
-            <a:spLocks noGrp="1"/>
-          </p:cNvSpPr>
-          <p:nvPr>
-            <p:ph type="title"/>
-          </p:nvPr>
-        </p:nvSpPr>
-        <p:spPr/>
-        <p:txBody>
-          <a:bodyPr/>
-          <a:lstStyle/>
-          <a:p>
-            <a:r>
-              <a:rPr lang="en-US" altLang="zh-CN" sz="4800" dirty="0"/>
-              <a:t>7.3  Servlet</a:t>
-            </a:r>
-            <a:r>
-              <a:rPr lang="zh-CN" altLang="en-US" sz="4800" dirty="0"/>
-              <a:t>的开发实例</a:t>
-            </a:r>
-          </a:p>
-        </p:txBody>
-      </p:sp>
-      <p:sp>
-        <p:nvSpPr>
-          <p:cNvPr id="3" name="内容占位符 2"/>
-          <p:cNvSpPr>
-            <a:spLocks noGrp="1"/>
-          </p:cNvSpPr>
-          <p:nvPr>
-            <p:ph idx="1"/>
-          </p:nvPr>
-        </p:nvSpPr>
-        <p:spPr/>
-        <p:txBody>
-          <a:bodyPr>
             <a:normAutofit fontScale="92500"/>
           </a:bodyPr>
           <a:lstStyle/>
@@ -16383,7 +16945,7 @@
                   <a:schemeClr val="tx1"/>
                 </a:solidFill>
               </a:rPr>
-              <a:t>；</a:t>
+              <a:t>（可以用注解代替）；</a:t>
             </a:r>
           </a:p>
           <a:p>
@@ -16456,7 +17018,7 @@
 </p:sld>
 </file>
 
-<file path=ppt/slides/slide17.xml><?xml version="1.0" encoding="utf-8"?>
+<file path=ppt/slides/slide14.xml><?xml version="1.0" encoding="utf-8"?>
 <p:sld xmlns:a="http://schemas.openxmlformats.org/drawingml/2006/main" xmlns:r="http://schemas.openxmlformats.org/officeDocument/2006/relationships" xmlns:p="http://schemas.openxmlformats.org/presentationml/2006/main">
   <p:cSld>
     <p:spTree>
@@ -17281,7 +17843,7 @@
           <a:graphicData uri="http://schemas.openxmlformats.org/presentationml/2006/ole">
             <mc:AlternateContent xmlns:mc="http://schemas.openxmlformats.org/markup-compatibility/2006">
               <mc:Choice xmlns:v="urn:schemas-microsoft-com:vml" Requires="v">
-                <p:oleObj spid="_x0000_s1035" name="Visio" r:id="rId3" imgW="6035818" imgH="1777424" progId="Visio.Drawing.11">
+                <p:oleObj spid="_x0000_s1038" name="Visio" r:id="rId3" imgW="6035818" imgH="1777424" progId="Visio.Drawing.11">
                   <p:embed/>
                 </p:oleObj>
               </mc:Choice>

--- a/JSP PPT/第07章 Servlet编程.pptx
+++ b/JSP PPT/第07章 Servlet编程.pptx
@@ -12303,7 +12303,7 @@
           <a:p>
             <a:fld id="{530820CF-B880-4189-942D-D702A7CBA730}" type="datetimeFigureOut">
               <a:rPr lang="zh-CN" altLang="en-US" smtClean="0"/>
-              <a:t>2019/10/15</a:t>
+              <a:t>2019/10/24</a:t>
             </a:fld>
             <a:endParaRPr lang="zh-CN" altLang="en-US"/>
           </a:p>
@@ -12468,7 +12468,7 @@
           <a:p>
             <a:fld id="{530820CF-B880-4189-942D-D702A7CBA730}" type="datetimeFigureOut">
               <a:rPr lang="zh-CN" altLang="en-US" smtClean="0"/>
-              <a:t>2019/10/15</a:t>
+              <a:t>2019/10/24</a:t>
             </a:fld>
             <a:endParaRPr lang="zh-CN" altLang="en-US"/>
           </a:p>
@@ -12643,7 +12643,7 @@
           <a:p>
             <a:fld id="{530820CF-B880-4189-942D-D702A7CBA730}" type="datetimeFigureOut">
               <a:rPr lang="zh-CN" altLang="en-US" smtClean="0"/>
-              <a:t>2019/10/15</a:t>
+              <a:t>2019/10/24</a:t>
             </a:fld>
             <a:endParaRPr lang="zh-CN" altLang="en-US"/>
           </a:p>
@@ -12826,7 +12826,7 @@
           <a:p>
             <a:fld id="{530820CF-B880-4189-942D-D702A7CBA730}" type="datetimeFigureOut">
               <a:rPr lang="zh-CN" altLang="en-US" smtClean="0"/>
-              <a:t>2019/10/15</a:t>
+              <a:t>2019/10/24</a:t>
             </a:fld>
             <a:endParaRPr lang="zh-CN" altLang="en-US"/>
           </a:p>
@@ -13088,7 +13088,7 @@
           <a:p>
             <a:fld id="{530820CF-B880-4189-942D-D702A7CBA730}" type="datetimeFigureOut">
               <a:rPr lang="zh-CN" altLang="en-US" smtClean="0"/>
-              <a:t>2019/10/15</a:t>
+              <a:t>2019/10/24</a:t>
             </a:fld>
             <a:endParaRPr lang="zh-CN" altLang="en-US"/>
           </a:p>
@@ -13436,7 +13436,7 @@
           <a:p>
             <a:fld id="{530820CF-B880-4189-942D-D702A7CBA730}" type="datetimeFigureOut">
               <a:rPr lang="zh-CN" altLang="en-US" smtClean="0"/>
-              <a:t>2019/10/15</a:t>
+              <a:t>2019/10/24</a:t>
             </a:fld>
             <a:endParaRPr lang="zh-CN" altLang="en-US"/>
           </a:p>
@@ -13744,7 +13744,7 @@
           <a:p>
             <a:fld id="{530820CF-B880-4189-942D-D702A7CBA730}" type="datetimeFigureOut">
               <a:rPr lang="zh-CN" altLang="en-US" smtClean="0"/>
-              <a:t>2019/10/15</a:t>
+              <a:t>2019/10/24</a:t>
             </a:fld>
             <a:endParaRPr lang="zh-CN" altLang="en-US"/>
           </a:p>
@@ -13971,7 +13971,7 @@
           <a:p>
             <a:fld id="{530820CF-B880-4189-942D-D702A7CBA730}" type="datetimeFigureOut">
               <a:rPr lang="zh-CN" altLang="en-US" smtClean="0"/>
-              <a:t>2019/10/15</a:t>
+              <a:t>2019/10/24</a:t>
             </a:fld>
             <a:endParaRPr lang="zh-CN" altLang="en-US"/>
           </a:p>
@@ -14061,7 +14061,7 @@
           <a:p>
             <a:fld id="{530820CF-B880-4189-942D-D702A7CBA730}" type="datetimeFigureOut">
               <a:rPr lang="zh-CN" altLang="en-US" smtClean="0"/>
-              <a:t>2019/10/15</a:t>
+              <a:t>2019/10/24</a:t>
             </a:fld>
             <a:endParaRPr lang="zh-CN" altLang="en-US"/>
           </a:p>
@@ -14349,7 +14349,7 @@
           <a:p>
             <a:fld id="{530820CF-B880-4189-942D-D702A7CBA730}" type="datetimeFigureOut">
               <a:rPr lang="zh-CN" altLang="en-US" smtClean="0"/>
-              <a:t>2019/10/15</a:t>
+              <a:t>2019/10/24</a:t>
             </a:fld>
             <a:endParaRPr lang="zh-CN" altLang="en-US"/>
           </a:p>
@@ -14618,7 +14618,7 @@
           <a:p>
             <a:fld id="{530820CF-B880-4189-942D-D702A7CBA730}" type="datetimeFigureOut">
               <a:rPr lang="zh-CN" altLang="en-US" smtClean="0"/>
-              <a:t>2019/10/15</a:t>
+              <a:t>2019/10/24</a:t>
             </a:fld>
             <a:endParaRPr lang="zh-CN" altLang="en-US"/>
           </a:p>
@@ -14828,7 +14828,7 @@
           <a:p>
             <a:fld id="{530820CF-B880-4189-942D-D702A7CBA730}" type="datetimeFigureOut">
               <a:rPr lang="zh-CN" altLang="en-US" smtClean="0"/>
-              <a:t>2019/10/15</a:t>
+              <a:t>2019/10/24</a:t>
             </a:fld>
             <a:endParaRPr lang="zh-CN" altLang="en-US"/>
           </a:p>
@@ -15348,7 +15348,13 @@
       </p:grpSpPr>
       <p:sp>
         <p:nvSpPr>
-          <p:cNvPr id="2" name="标题 1"/>
+          <p:cNvPr id="11" name="标题 1">
+            <a:extLst>
+              <a:ext uri="{FF2B5EF4-FFF2-40B4-BE49-F238E27FC236}">
+                <a16:creationId xmlns:a16="http://schemas.microsoft.com/office/drawing/2014/main" id="{655C6A09-3E7E-4563-8A2A-8F714A203DFC}"/>
+              </a:ext>
+            </a:extLst>
+          </p:cNvPr>
           <p:cNvSpPr>
             <a:spLocks noGrp="1"/>
           </p:cNvSpPr>
@@ -15367,24 +15373,23 @@
           <a:lstStyle/>
           <a:p>
             <a:r>
-              <a:rPr lang="en-US" altLang="zh-CN" sz="3600" dirty="0"/>
-              <a:t>《</a:t>
-            </a:r>
-            <a:r>
-              <a:rPr lang="zh-CN" altLang="en-US" sz="3600" dirty="0"/>
+              <a:rPr lang="zh-CN" altLang="en-US" sz="4400" dirty="0">
+                <a:latin typeface="+mj-ea"/>
+              </a:rPr>
               <a:t>商务网站设计与开发</a:t>
             </a:r>
-            <a:r>
-              <a:rPr lang="en-US" altLang="zh-CN" sz="3600" dirty="0"/>
-              <a:t>》</a:t>
-            </a:r>
-            <a:endParaRPr lang="zh-CN" altLang="en-US" sz="3600" dirty="0"/>
           </a:p>
         </p:txBody>
       </p:sp>
       <p:sp>
         <p:nvSpPr>
-          <p:cNvPr id="3" name="副标题 2"/>
+          <p:cNvPr id="12" name="副标题 2">
+            <a:extLst>
+              <a:ext uri="{FF2B5EF4-FFF2-40B4-BE49-F238E27FC236}">
+                <a16:creationId xmlns:a16="http://schemas.microsoft.com/office/drawing/2014/main" id="{4B5B2760-7BF8-4974-83C1-10FDF69EA2F9}"/>
+              </a:ext>
+            </a:extLst>
+          </p:cNvPr>
           <p:cNvSpPr>
             <a:spLocks noGrp="1"/>
           </p:cNvSpPr>
@@ -15392,33 +15397,68 @@
             <p:ph type="subTitle" idx="1"/>
           </p:nvPr>
         </p:nvSpPr>
-        <p:spPr/>
+        <p:spPr>
+          <a:xfrm>
+            <a:off x="1371600" y="3505072"/>
+            <a:ext cx="6400800" cy="596458"/>
+          </a:xfrm>
+        </p:spPr>
         <p:txBody>
           <a:bodyPr>
-            <a:normAutofit fontScale="77500" lnSpcReduction="20000"/>
+            <a:normAutofit/>
           </a:bodyPr>
           <a:lstStyle/>
           <a:p>
-            <a:r>
-              <a:rPr lang="zh-CN" altLang="en-US" dirty="0"/>
-              <a:t>温浩宇  李慧</a:t>
-            </a:r>
-            <a:endParaRPr lang="en-US" altLang="zh-CN" dirty="0"/>
-          </a:p>
-          <a:p>
-            <a:endParaRPr lang="en-US" altLang="zh-CN" dirty="0"/>
-          </a:p>
-          <a:p>
-            <a:r>
-              <a:rPr lang="zh-CN" altLang="en-US" dirty="0"/>
-              <a:t>西安电子科技大学</a:t>
-            </a:r>
+            <a:pPr>
+              <a:spcBef>
+                <a:spcPct val="0"/>
+              </a:spcBef>
+            </a:pPr>
+            <a:r>
+              <a:rPr lang="zh-CN" altLang="en-US" sz="3200" dirty="0">
+                <a:solidFill>
+                  <a:schemeClr val="tx2"/>
+                </a:solidFill>
+                <a:effectLst>
+                  <a:outerShdw blurRad="63500" dist="38100" dir="5400000" algn="t" rotWithShape="0">
+                    <a:prstClr val="black">
+                      <a:alpha val="25000"/>
+                    </a:prstClr>
+                  </a:outerShdw>
+                </a:effectLst>
+                <a:latin typeface="+mj-ea"/>
+                <a:ea typeface="+mj-ea"/>
+                <a:cs typeface="+mj-cs"/>
+              </a:rPr>
+              <a:t>温浩宇</a:t>
+            </a:r>
+            <a:endParaRPr lang="zh-CN" altLang="en-US" sz="3600" dirty="0">
+              <a:solidFill>
+                <a:schemeClr val="tx2"/>
+              </a:solidFill>
+              <a:effectLst>
+                <a:outerShdw blurRad="63500" dist="38100" dir="5400000" algn="t" rotWithShape="0">
+                  <a:prstClr val="black">
+                    <a:alpha val="25000"/>
+                  </a:prstClr>
+                </a:outerShdw>
+              </a:effectLst>
+              <a:latin typeface="+mj-ea"/>
+              <a:ea typeface="+mj-ea"/>
+              <a:cs typeface="+mj-cs"/>
+            </a:endParaRPr>
           </a:p>
         </p:txBody>
       </p:sp>
       <p:pic>
         <p:nvPicPr>
-          <p:cNvPr id="2051" name="Picture 3"/>
+          <p:cNvPr id="13" name="Picture 3">
+            <a:extLst>
+              <a:ext uri="{FF2B5EF4-FFF2-40B4-BE49-F238E27FC236}">
+                <a16:creationId xmlns:a16="http://schemas.microsoft.com/office/drawing/2014/main" id="{5170FAE4-7F11-43BC-B89A-B7AB10E7B9F8}"/>
+              </a:ext>
+            </a:extLst>
+          </p:cNvPr>
           <p:cNvPicPr>
             <a:picLocks noChangeAspect="1" noChangeArrowheads="1"/>
           </p:cNvPicPr>
@@ -15439,7 +15479,7 @@
         </p:blipFill>
         <p:spPr bwMode="auto">
           <a:xfrm>
-            <a:off x="3440155" y="1723319"/>
+            <a:off x="3203848" y="2225080"/>
             <a:ext cx="792815" cy="1080120"/>
           </a:xfrm>
           <a:prstGeom prst="rect">
@@ -15472,7 +15512,13 @@
       </p:pic>
       <p:sp>
         <p:nvSpPr>
-          <p:cNvPr id="6" name="标题 1"/>
+          <p:cNvPr id="14" name="标题 1">
+            <a:extLst>
+              <a:ext uri="{FF2B5EF4-FFF2-40B4-BE49-F238E27FC236}">
+                <a16:creationId xmlns:a16="http://schemas.microsoft.com/office/drawing/2014/main" id="{732CDB20-AB5D-4CA9-A9BF-09A40FBC02B2}"/>
+              </a:ext>
+            </a:extLst>
+          </p:cNvPr>
           <p:cNvSpPr txBox="1">
             <a:spLocks/>
           </p:cNvSpPr>
@@ -15480,7 +15526,7 @@
         </p:nvSpPr>
         <p:spPr>
           <a:xfrm>
-            <a:off x="683568" y="3003798"/>
+            <a:off x="685800" y="1428750"/>
             <a:ext cx="7772400" cy="596458"/>
           </a:xfrm>
           <a:prstGeom prst="rect">
@@ -15519,36 +15565,47 @@
           </a:lstStyle>
           <a:p>
             <a:r>
-              <a:rPr lang="zh-CN" altLang="en-US" sz="3600" dirty="0"/>
+              <a:rPr lang="zh-CN" altLang="en-US" sz="3200" dirty="0">
+                <a:latin typeface="+mj-ea"/>
+              </a:rPr>
               <a:t>第</a:t>
             </a:r>
             <a:r>
-              <a:rPr lang="en-US" altLang="zh-CN" sz="3600" dirty="0"/>
+              <a:rPr lang="en-US" altLang="zh-CN" sz="3200" dirty="0">
+                <a:latin typeface="+mj-ea"/>
+              </a:rPr>
               <a:t>7</a:t>
             </a:r>
             <a:r>
-              <a:rPr lang="zh-CN" altLang="en-US" sz="3600" dirty="0"/>
+              <a:rPr lang="zh-CN" altLang="en-US" sz="3200" dirty="0">
+                <a:latin typeface="+mj-ea"/>
+              </a:rPr>
               <a:t>章 </a:t>
             </a:r>
             <a:r>
-              <a:rPr lang="en-US" altLang="zh-CN" sz="3600" b="1" dirty="0">
-                <a:effectLst/>
+              <a:rPr lang="en-GB" altLang="zh-CN" sz="3200" dirty="0">
+                <a:latin typeface="+mj-ea"/>
               </a:rPr>
               <a:t>Servlet</a:t>
             </a:r>
             <a:r>
-              <a:rPr lang="zh-CN" altLang="zh-CN" sz="3600" b="1" dirty="0">
-                <a:effectLst/>
+              <a:rPr lang="zh-CN" altLang="en-US" sz="3200" dirty="0">
+                <a:latin typeface="+mj-ea"/>
               </a:rPr>
               <a:t>编程</a:t>
             </a:r>
-            <a:endParaRPr lang="zh-CN" altLang="en-US" sz="3600" dirty="0"/>
           </a:p>
         </p:txBody>
       </p:sp>
       <p:pic>
         <p:nvPicPr>
-          <p:cNvPr id="7" name="Picture 2" descr="https://timgsa.baidu.com/timg?image&amp;quality=80&amp;size=b9999_10000&amp;sec=1493707801922&amp;di=a778f19d7f0d1e13a6f35b73b9469273&amp;imgtype=0&amp;src=http%3A%2F%2Fpic.baike.soso.com%2Fp%2F20120826%2Fbki-20120826090810-1627753076.jpg"/>
+          <p:cNvPr id="15" name="Picture 2" descr="https://timgsa.baidu.com/timg?image&amp;quality=80&amp;size=b9999_10000&amp;sec=1493707801922&amp;di=a778f19d7f0d1e13a6f35b73b9469273&amp;imgtype=0&amp;src=http%3A%2F%2Fpic.baike.soso.com%2Fp%2F20120826%2Fbki-20120826090810-1627753076.jpg">
+            <a:extLst>
+              <a:ext uri="{FF2B5EF4-FFF2-40B4-BE49-F238E27FC236}">
+                <a16:creationId xmlns:a16="http://schemas.microsoft.com/office/drawing/2014/main" id="{7E750EB6-877A-4CDE-989F-740066C507E2}"/>
+              </a:ext>
+            </a:extLst>
+          </p:cNvPr>
           <p:cNvPicPr>
             <a:picLocks noChangeAspect="1" noChangeArrowheads="1"/>
           </p:cNvPicPr>
@@ -15569,7 +15626,7 @@
         </p:blipFill>
         <p:spPr bwMode="auto">
           <a:xfrm>
-            <a:off x="4860032" y="1636161"/>
+            <a:off x="4788024" y="2137922"/>
             <a:ext cx="1254435" cy="1254435"/>
           </a:xfrm>
           <a:prstGeom prst="rect">
@@ -15587,6 +15644,215 @@
           </a:extLst>
         </p:spPr>
       </p:pic>
+      <p:sp>
+        <p:nvSpPr>
+          <p:cNvPr id="16" name="副标题 2">
+            <a:extLst>
+              <a:ext uri="{FF2B5EF4-FFF2-40B4-BE49-F238E27FC236}">
+                <a16:creationId xmlns:a16="http://schemas.microsoft.com/office/drawing/2014/main" id="{11D39285-C46D-490D-9F1D-348279EA5B43}"/>
+              </a:ext>
+            </a:extLst>
+          </p:cNvPr>
+          <p:cNvSpPr txBox="1">
+            <a:spLocks/>
+          </p:cNvSpPr>
+          <p:nvPr/>
+        </p:nvSpPr>
+        <p:spPr>
+          <a:xfrm>
+            <a:off x="1371600" y="4169278"/>
+            <a:ext cx="6400800" cy="641426"/>
+          </a:xfrm>
+          <a:prstGeom prst="rect">
+            <a:avLst/>
+          </a:prstGeom>
+        </p:spPr>
+        <p:txBody>
+          <a:bodyPr vert="horz" lIns="91440" tIns="45720" rIns="91440" bIns="45720" rtlCol="0">
+            <a:normAutofit/>
+          </a:bodyPr>
+          <a:lstStyle>
+            <a:lvl1pPr marL="0" indent="0" algn="ctr" defTabSz="914400" rtl="0" eaLnBrk="1" latinLnBrk="0" hangingPunct="1">
+              <a:spcBef>
+                <a:spcPct val="20000"/>
+              </a:spcBef>
+              <a:buFont typeface="Arial" pitchFamily="34" charset="0"/>
+              <a:buNone/>
+              <a:defRPr sz="2400" kern="1200">
+                <a:solidFill>
+                  <a:schemeClr val="tx1">
+                    <a:tint val="75000"/>
+                  </a:schemeClr>
+                </a:solidFill>
+                <a:latin typeface="+mj-lt"/>
+                <a:ea typeface="+mn-ea"/>
+                <a:cs typeface="+mn-cs"/>
+              </a:defRPr>
+            </a:lvl1pPr>
+            <a:lvl2pPr marL="457200" indent="0" algn="ctr" defTabSz="914400" rtl="0" eaLnBrk="1" latinLnBrk="0" hangingPunct="1">
+              <a:spcBef>
+                <a:spcPct val="20000"/>
+              </a:spcBef>
+              <a:buFont typeface="Courier New" pitchFamily="49" charset="0"/>
+              <a:buNone/>
+              <a:defRPr sz="1600" kern="1200">
+                <a:solidFill>
+                  <a:schemeClr val="tx1">
+                    <a:tint val="75000"/>
+                  </a:schemeClr>
+                </a:solidFill>
+                <a:latin typeface="+mj-lt"/>
+                <a:ea typeface="+mn-ea"/>
+                <a:cs typeface="+mn-cs"/>
+              </a:defRPr>
+            </a:lvl2pPr>
+            <a:lvl3pPr marL="914400" indent="0" algn="ctr" defTabSz="914400" rtl="0" eaLnBrk="1" latinLnBrk="0" hangingPunct="1">
+              <a:spcBef>
+                <a:spcPct val="20000"/>
+              </a:spcBef>
+              <a:buFont typeface="Arial" pitchFamily="34" charset="0"/>
+              <a:buNone/>
+              <a:defRPr sz="1600" kern="1200">
+                <a:solidFill>
+                  <a:schemeClr val="tx1">
+                    <a:tint val="75000"/>
+                  </a:schemeClr>
+                </a:solidFill>
+                <a:latin typeface="+mj-lt"/>
+                <a:ea typeface="+mn-ea"/>
+                <a:cs typeface="+mn-cs"/>
+              </a:defRPr>
+            </a:lvl3pPr>
+            <a:lvl4pPr marL="1371600" indent="0" algn="ctr" defTabSz="914400" rtl="0" eaLnBrk="1" latinLnBrk="0" hangingPunct="1">
+              <a:spcBef>
+                <a:spcPct val="20000"/>
+              </a:spcBef>
+              <a:buFont typeface="Courier New" pitchFamily="49" charset="0"/>
+              <a:buNone/>
+              <a:defRPr sz="1600" kern="1200">
+                <a:solidFill>
+                  <a:schemeClr val="tx1">
+                    <a:tint val="75000"/>
+                  </a:schemeClr>
+                </a:solidFill>
+                <a:latin typeface="+mj-lt"/>
+                <a:ea typeface="+mn-ea"/>
+                <a:cs typeface="+mn-cs"/>
+              </a:defRPr>
+            </a:lvl4pPr>
+            <a:lvl5pPr marL="1828800" indent="0" algn="ctr" defTabSz="914400" rtl="0" eaLnBrk="1" latinLnBrk="0" hangingPunct="1">
+              <a:spcBef>
+                <a:spcPct val="20000"/>
+              </a:spcBef>
+              <a:buFont typeface="Arial" pitchFamily="34" charset="0"/>
+              <a:buNone/>
+              <a:defRPr sz="1600" kern="1200">
+                <a:solidFill>
+                  <a:schemeClr val="tx1">
+                    <a:tint val="75000"/>
+                  </a:schemeClr>
+                </a:solidFill>
+                <a:latin typeface="+mj-lt"/>
+                <a:ea typeface="+mn-ea"/>
+                <a:cs typeface="+mn-cs"/>
+              </a:defRPr>
+            </a:lvl5pPr>
+            <a:lvl6pPr marL="2286000" indent="0" algn="ctr" defTabSz="914400" rtl="0" eaLnBrk="1" latinLnBrk="0" hangingPunct="1">
+              <a:spcBef>
+                <a:spcPct val="20000"/>
+              </a:spcBef>
+              <a:buFont typeface="Courier New" pitchFamily="49" charset="0"/>
+              <a:buNone/>
+              <a:defRPr sz="1600" kern="1200">
+                <a:solidFill>
+                  <a:schemeClr val="tx1">
+                    <a:tint val="75000"/>
+                  </a:schemeClr>
+                </a:solidFill>
+                <a:latin typeface="+mj-lt"/>
+                <a:ea typeface="+mn-ea"/>
+                <a:cs typeface="+mn-cs"/>
+              </a:defRPr>
+            </a:lvl6pPr>
+            <a:lvl7pPr marL="2743200" indent="0" algn="ctr" defTabSz="914400" rtl="0" eaLnBrk="1" latinLnBrk="0" hangingPunct="1">
+              <a:spcBef>
+                <a:spcPct val="20000"/>
+              </a:spcBef>
+              <a:buFont typeface="Arial" pitchFamily="34" charset="0"/>
+              <a:buNone/>
+              <a:defRPr sz="1600" kern="1200">
+                <a:solidFill>
+                  <a:schemeClr val="tx1">
+                    <a:tint val="75000"/>
+                  </a:schemeClr>
+                </a:solidFill>
+                <a:latin typeface="+mj-lt"/>
+                <a:ea typeface="+mn-ea"/>
+                <a:cs typeface="+mn-cs"/>
+              </a:defRPr>
+            </a:lvl7pPr>
+            <a:lvl8pPr marL="3200400" indent="0" algn="ctr" defTabSz="914400" rtl="0" eaLnBrk="1" latinLnBrk="0" hangingPunct="1">
+              <a:spcBef>
+                <a:spcPct val="20000"/>
+              </a:spcBef>
+              <a:buFont typeface="Courier New" pitchFamily="49" charset="0"/>
+              <a:buNone/>
+              <a:defRPr sz="1600" kern="1200">
+                <a:solidFill>
+                  <a:schemeClr val="tx1">
+                    <a:tint val="75000"/>
+                  </a:schemeClr>
+                </a:solidFill>
+                <a:latin typeface="+mj-lt"/>
+                <a:ea typeface="+mn-ea"/>
+                <a:cs typeface="+mn-cs"/>
+              </a:defRPr>
+            </a:lvl8pPr>
+            <a:lvl9pPr marL="3657600" indent="0" algn="ctr" defTabSz="914400" rtl="0" eaLnBrk="1" latinLnBrk="0" hangingPunct="1">
+              <a:spcBef>
+                <a:spcPct val="20000"/>
+              </a:spcBef>
+              <a:buFont typeface="Arial" pitchFamily="34" charset="0"/>
+              <a:buNone/>
+              <a:defRPr sz="1600" kern="1200">
+                <a:solidFill>
+                  <a:schemeClr val="tx1">
+                    <a:tint val="75000"/>
+                  </a:schemeClr>
+                </a:solidFill>
+                <a:latin typeface="+mj-lt"/>
+                <a:ea typeface="+mn-ea"/>
+                <a:cs typeface="+mn-cs"/>
+              </a:defRPr>
+            </a:lvl9pPr>
+          </a:lstStyle>
+          <a:p>
+            <a:pPr>
+              <a:spcBef>
+                <a:spcPct val="0"/>
+              </a:spcBef>
+            </a:pPr>
+            <a:r>
+              <a:rPr lang="zh-CN" altLang="en-US" sz="3600" dirty="0">
+                <a:solidFill>
+                  <a:schemeClr val="tx2"/>
+                </a:solidFill>
+                <a:effectLst>
+                  <a:outerShdw blurRad="63500" dist="38100" dir="5400000" algn="t" rotWithShape="0">
+                    <a:prstClr val="black">
+                      <a:alpha val="25000"/>
+                    </a:prstClr>
+                  </a:outerShdw>
+                </a:effectLst>
+                <a:latin typeface="+mj-ea"/>
+                <a:ea typeface="+mj-ea"/>
+                <a:cs typeface="+mj-cs"/>
+              </a:rPr>
+              <a:t>西安电子科技大学</a:t>
+            </a:r>
+          </a:p>
+        </p:txBody>
+      </p:sp>
     </p:spTree>
     <p:extLst>
       <p:ext uri="{BB962C8B-B14F-4D97-AF65-F5344CB8AC3E}">
@@ -17843,7 +18109,7 @@
           <a:graphicData uri="http://schemas.openxmlformats.org/presentationml/2006/ole">
             <mc:AlternateContent xmlns:mc="http://schemas.openxmlformats.org/markup-compatibility/2006">
               <mc:Choice xmlns:v="urn:schemas-microsoft-com:vml" Requires="v">
-                <p:oleObj spid="_x0000_s1038" name="Visio" r:id="rId3" imgW="6035818" imgH="1777424" progId="Visio.Drawing.11">
+                <p:oleObj spid="_x0000_s1039" name="Visio" r:id="rId3" imgW="6035818" imgH="1777424" progId="Visio.Drawing.11">
                   <p:embed/>
                 </p:oleObj>
               </mc:Choice>
